--- a/Deliverables/PowerPoint/Digital Humanities.pptx
+++ b/Deliverables/PowerPoint/Digital Humanities.pptx
@@ -118,7 +118,7 @@
   </p:defaultTextStyle>
   <p:extLst>
     <p:ext uri="{EFAFB233-063F-42B5-8137-9DF3F51BA10A}">
-      <p15:sldGuideLst xmlns:p15="http://schemas.microsoft.com/office/powerpoint/2012/main" xmlns="">
+      <p15:sldGuideLst xmlns="" xmlns:p15="http://schemas.microsoft.com/office/powerpoint/2012/main">
         <p15:guide id="1" orient="horz" pos="2160">
           <p15:clr>
             <a:srgbClr val="A4A3A4"/>
@@ -328,11 +328,11 @@
           <c:showBubbleSize val="0"/>
         </c:dLbls>
         <c:gapWidth val="150"/>
-        <c:axId val="48455680"/>
-        <c:axId val="40276480"/>
+        <c:axId val="49949184"/>
+        <c:axId val="95245952"/>
       </c:barChart>
       <c:catAx>
-        <c:axId val="48455680"/>
+        <c:axId val="49949184"/>
         <c:scaling>
           <c:orientation val="minMax"/>
         </c:scaling>
@@ -375,7 +375,7 @@
             <a:endParaRPr lang="en-US"/>
           </a:p>
         </c:txPr>
-        <c:crossAx val="40276480"/>
+        <c:crossAx val="95245952"/>
         <c:crosses val="autoZero"/>
         <c:auto val="1"/>
         <c:lblAlgn val="ctr"/>
@@ -383,7 +383,7 @@
         <c:noMultiLvlLbl val="0"/>
       </c:catAx>
       <c:valAx>
-        <c:axId val="40276480"/>
+        <c:axId val="95245952"/>
         <c:scaling>
           <c:orientation val="minMax"/>
         </c:scaling>
@@ -470,7 +470,7 @@
             <a:endParaRPr lang="en-US"/>
           </a:p>
         </c:txPr>
-        <c:crossAx val="48455680"/>
+        <c:crossAx val="49949184"/>
         <c:crosses val="autoZero"/>
         <c:crossBetween val="between"/>
       </c:valAx>
@@ -695,11 +695,11 @@
           <c:showBubbleSize val="0"/>
         </c:dLbls>
         <c:gapWidth val="150"/>
-        <c:axId val="48459264"/>
-        <c:axId val="40278208"/>
+        <c:axId val="50597376"/>
+        <c:axId val="95247680"/>
       </c:barChart>
       <c:catAx>
-        <c:axId val="48459264"/>
+        <c:axId val="50597376"/>
         <c:scaling>
           <c:orientation val="minMax"/>
         </c:scaling>
@@ -742,7 +742,7 @@
             <a:endParaRPr lang="en-US"/>
           </a:p>
         </c:txPr>
-        <c:crossAx val="40278208"/>
+        <c:crossAx val="95247680"/>
         <c:crosses val="autoZero"/>
         <c:auto val="1"/>
         <c:lblAlgn val="ctr"/>
@@ -750,7 +750,7 @@
         <c:noMultiLvlLbl val="0"/>
       </c:catAx>
       <c:valAx>
-        <c:axId val="40278208"/>
+        <c:axId val="95247680"/>
         <c:scaling>
           <c:orientation val="minMax"/>
         </c:scaling>
@@ -837,7 +837,7 @@
             <a:endParaRPr lang="en-US"/>
           </a:p>
         </c:txPr>
-        <c:crossAx val="48459264"/>
+        <c:crossAx val="50597376"/>
         <c:crosses val="autoZero"/>
         <c:crossBetween val="between"/>
       </c:valAx>
@@ -1116,11 +1116,11 @@
           <c:showBubbleSize val="0"/>
         </c:dLbls>
         <c:gapWidth val="150"/>
-        <c:axId val="39249408"/>
-        <c:axId val="140304960"/>
+        <c:axId val="46981120"/>
+        <c:axId val="51026688"/>
       </c:barChart>
       <c:catAx>
-        <c:axId val="39249408"/>
+        <c:axId val="46981120"/>
         <c:scaling>
           <c:orientation val="minMax"/>
         </c:scaling>
@@ -1163,7 +1163,7 @@
             <a:endParaRPr lang="en-US"/>
           </a:p>
         </c:txPr>
-        <c:crossAx val="140304960"/>
+        <c:crossAx val="51026688"/>
         <c:crosses val="autoZero"/>
         <c:auto val="1"/>
         <c:lblAlgn val="ctr"/>
@@ -1171,7 +1171,7 @@
         <c:noMultiLvlLbl val="0"/>
       </c:catAx>
       <c:valAx>
-        <c:axId val="140304960"/>
+        <c:axId val="51026688"/>
         <c:scaling>
           <c:orientation val="minMax"/>
         </c:scaling>
@@ -1258,7 +1258,7 @@
             <a:endParaRPr lang="en-US"/>
           </a:p>
         </c:txPr>
-        <c:crossAx val="39249408"/>
+        <c:crossAx val="46981120"/>
         <c:crosses val="autoZero"/>
         <c:crossBetween val="between"/>
       </c:valAx>
@@ -1522,11 +1522,11 @@
           <c:showBubbleSize val="0"/>
         </c:dLbls>
         <c:gapWidth val="150"/>
-        <c:axId val="48458240"/>
-        <c:axId val="40302784"/>
+        <c:axId val="50593792"/>
+        <c:axId val="51021504"/>
       </c:barChart>
       <c:catAx>
-        <c:axId val="48458240"/>
+        <c:axId val="50593792"/>
         <c:scaling>
           <c:orientation val="minMax"/>
         </c:scaling>
@@ -1569,7 +1569,7 @@
             <a:endParaRPr lang="en-US"/>
           </a:p>
         </c:txPr>
-        <c:crossAx val="40302784"/>
+        <c:crossAx val="51021504"/>
         <c:crosses val="autoZero"/>
         <c:auto val="1"/>
         <c:lblAlgn val="ctr"/>
@@ -1577,7 +1577,7 @@
         <c:noMultiLvlLbl val="0"/>
       </c:catAx>
       <c:valAx>
-        <c:axId val="40302784"/>
+        <c:axId val="51021504"/>
         <c:scaling>
           <c:orientation val="minMax"/>
         </c:scaling>
@@ -1664,7 +1664,7 @@
             <a:endParaRPr lang="en-US"/>
           </a:p>
         </c:txPr>
-        <c:crossAx val="48458240"/>
+        <c:crossAx val="50593792"/>
         <c:crosses val="autoZero"/>
         <c:crossBetween val="between"/>
       </c:valAx>
@@ -2325,11 +2325,11 @@
           <c:showBubbleSize val="0"/>
         </c:dLbls>
         <c:gapWidth val="150"/>
-        <c:axId val="46082560"/>
-        <c:axId val="140307264"/>
+        <c:axId val="46984192"/>
+        <c:axId val="46991040"/>
       </c:barChart>
       <c:catAx>
-        <c:axId val="46082560"/>
+        <c:axId val="46984192"/>
         <c:scaling>
           <c:orientation val="minMax"/>
         </c:scaling>
@@ -2371,7 +2371,7 @@
             <a:endParaRPr lang="en-US"/>
           </a:p>
         </c:txPr>
-        <c:crossAx val="140307264"/>
+        <c:crossAx val="46991040"/>
         <c:crosses val="autoZero"/>
         <c:auto val="1"/>
         <c:lblAlgn val="ctr"/>
@@ -2379,7 +2379,7 @@
         <c:noMultiLvlLbl val="0"/>
       </c:catAx>
       <c:valAx>
-        <c:axId val="140307264"/>
+        <c:axId val="46991040"/>
         <c:scaling>
           <c:orientation val="minMax"/>
         </c:scaling>
@@ -2429,7 +2429,7 @@
             <a:endParaRPr lang="en-US"/>
           </a:p>
         </c:txPr>
-        <c:crossAx val="46082560"/>
+        <c:crossAx val="46984192"/>
         <c:crosses val="autoZero"/>
         <c:crossBetween val="between"/>
       </c:valAx>
@@ -2588,12 +2588,9 @@
             <c:strRef>
               <c:f>'Time Complexity (ED)'!$B$1:$B$2</c:f>
               <c:strCache>
-                <c:ptCount val="2"/>
+                <c:ptCount val="1"/>
                 <c:pt idx="0">
-                  <c:v>Average Time</c:v>
-                </c:pt>
-                <c:pt idx="1">
-                  <c:v>Greg</c:v>
+                  <c:v>Avg Time Greg</c:v>
                 </c:pt>
               </c:strCache>
             </c:strRef>
@@ -2677,12 +2674,9 @@
             <c:strRef>
               <c:f>'Time Complexity (ED)'!$C$1:$C$2</c:f>
               <c:strCache>
-                <c:ptCount val="2"/>
+                <c:ptCount val="1"/>
                 <c:pt idx="0">
-                  <c:v>Average Time</c:v>
-                </c:pt>
-                <c:pt idx="1">
-                  <c:v>Kevin</c:v>
+                  <c:v>Avg Time Kevin</c:v>
                 </c:pt>
               </c:strCache>
             </c:strRef>
@@ -2766,12 +2760,9 @@
             <c:strRef>
               <c:f>'Time Complexity (ED)'!$D$1:$D$2</c:f>
               <c:strCache>
-                <c:ptCount val="2"/>
+                <c:ptCount val="1"/>
                 <c:pt idx="0">
-                  <c:v>Average Time</c:v>
-                </c:pt>
-                <c:pt idx="1">
-                  <c:v>Marlene</c:v>
+                  <c:v>Avg Time Marlene</c:v>
                 </c:pt>
               </c:strCache>
             </c:strRef>
@@ -2858,11 +2849,11 @@
         </c:dLbls>
         <c:gapWidth val="115"/>
         <c:overlap val="-20"/>
-        <c:axId val="48569856"/>
-        <c:axId val="140308992"/>
+        <c:axId val="48947712"/>
+        <c:axId val="46992768"/>
       </c:barChart>
       <c:catAx>
-        <c:axId val="48569856"/>
+        <c:axId val="48947712"/>
         <c:scaling>
           <c:orientation val="minMax"/>
         </c:scaling>
@@ -2904,7 +2895,7 @@
             <a:endParaRPr lang="en-US"/>
           </a:p>
         </c:txPr>
-        <c:crossAx val="140308992"/>
+        <c:crossAx val="46992768"/>
         <c:crosses val="autoZero"/>
         <c:auto val="1"/>
         <c:lblAlgn val="ctr"/>
@@ -2912,7 +2903,7 @@
         <c:noMultiLvlLbl val="0"/>
       </c:catAx>
       <c:valAx>
-        <c:axId val="140308992"/>
+        <c:axId val="46992768"/>
         <c:scaling>
           <c:orientation val="minMax"/>
         </c:scaling>
@@ -2962,7 +2953,7 @@
             <a:endParaRPr lang="en-US"/>
           </a:p>
         </c:txPr>
-        <c:crossAx val="48569856"/>
+        <c:crossAx val="48947712"/>
         <c:crosses val="autoZero"/>
         <c:crossBetween val="between"/>
       </c:valAx>
@@ -2976,7 +2967,16 @@
     </c:plotArea>
     <c:legend>
       <c:legendPos val="b"/>
-      <c:layout/>
+      <c:layout>
+        <c:manualLayout>
+          <c:xMode val="edge"/>
+          <c:yMode val="edge"/>
+          <c:x val="0.23061487442705364"/>
+          <c:y val="0.90921606478596229"/>
+          <c:w val="0.53730437642093176"/>
+          <c:h val="6.9927970284902885E-2"/>
+        </c:manualLayout>
+      </c:layout>
       <c:overlay val="0"/>
       <c:spPr>
         <a:noFill/>
@@ -4851,7 +4851,7 @@
           <a:p>
             <a:fld id="{45F8B078-4D02-45C3-B284-451A14CEFD4C}" type="datetimeFigureOut">
               <a:rPr lang="en-US" smtClean="0"/>
-              <a:t>11/24/2015</a:t>
+              <a:t>11/30/2015</a:t>
             </a:fld>
             <a:endParaRPr lang="en-US"/>
           </a:p>
@@ -5192,7 +5192,7 @@
           <a:p>
             <a:fld id="{45F8B078-4D02-45C3-B284-451A14CEFD4C}" type="datetimeFigureOut">
               <a:rPr lang="en-US" smtClean="0"/>
-              <a:t>11/24/2015</a:t>
+              <a:t>11/30/2015</a:t>
             </a:fld>
             <a:endParaRPr lang="en-US"/>
           </a:p>
@@ -5596,7 +5596,7 @@
           <a:p>
             <a:fld id="{45F8B078-4D02-45C3-B284-451A14CEFD4C}" type="datetimeFigureOut">
               <a:rPr lang="en-US" smtClean="0"/>
-              <a:t>11/24/2015</a:t>
+              <a:t>11/30/2015</a:t>
             </a:fld>
             <a:endParaRPr lang="en-US"/>
           </a:p>
@@ -5935,7 +5935,7 @@
           <a:p>
             <a:fld id="{45F8B078-4D02-45C3-B284-451A14CEFD4C}" type="datetimeFigureOut">
               <a:rPr lang="en-US" smtClean="0"/>
-              <a:t>11/24/2015</a:t>
+              <a:t>11/30/2015</a:t>
             </a:fld>
             <a:endParaRPr lang="en-US"/>
           </a:p>
@@ -6258,7 +6258,7 @@
           <a:p>
             <a:fld id="{45F8B078-4D02-45C3-B284-451A14CEFD4C}" type="datetimeFigureOut">
               <a:rPr lang="en-US" smtClean="0"/>
-              <a:t>11/24/2015</a:t>
+              <a:t>11/30/2015</a:t>
             </a:fld>
             <a:endParaRPr lang="en-US"/>
           </a:p>
@@ -6657,7 +6657,7 @@
           <a:p>
             <a:fld id="{45F8B078-4D02-45C3-B284-451A14CEFD4C}" type="datetimeFigureOut">
               <a:rPr lang="en-US" smtClean="0"/>
-              <a:t>11/24/2015</a:t>
+              <a:t>11/30/2015</a:t>
             </a:fld>
             <a:endParaRPr lang="en-US"/>
           </a:p>
@@ -6917,7 +6917,7 @@
           <a:p>
             <a:fld id="{45F8B078-4D02-45C3-B284-451A14CEFD4C}" type="datetimeFigureOut">
               <a:rPr lang="en-US" smtClean="0"/>
-              <a:t>11/24/2015</a:t>
+              <a:t>11/30/2015</a:t>
             </a:fld>
             <a:endParaRPr lang="en-US"/>
           </a:p>
@@ -7182,7 +7182,7 @@
           <a:p>
             <a:fld id="{45F8B078-4D02-45C3-B284-451A14CEFD4C}" type="datetimeFigureOut">
               <a:rPr lang="en-US" smtClean="0"/>
-              <a:t>11/24/2015</a:t>
+              <a:t>11/30/2015</a:t>
             </a:fld>
             <a:endParaRPr lang="en-US"/>
           </a:p>
@@ -7447,7 +7447,7 @@
           <a:p>
             <a:fld id="{45F8B078-4D02-45C3-B284-451A14CEFD4C}" type="datetimeFigureOut">
               <a:rPr lang="en-US" smtClean="0"/>
-              <a:t>11/24/2015</a:t>
+              <a:t>11/30/2015</a:t>
             </a:fld>
             <a:endParaRPr lang="en-US"/>
           </a:p>
@@ -7779,7 +7779,7 @@
           <a:p>
             <a:fld id="{45F8B078-4D02-45C3-B284-451A14CEFD4C}" type="datetimeFigureOut">
               <a:rPr lang="en-US" smtClean="0"/>
-              <a:t>11/24/2015</a:t>
+              <a:t>11/30/2015</a:t>
             </a:fld>
             <a:endParaRPr lang="en-US"/>
           </a:p>
@@ -8105,7 +8105,7 @@
           <a:p>
             <a:fld id="{45F8B078-4D02-45C3-B284-451A14CEFD4C}" type="datetimeFigureOut">
               <a:rPr lang="en-US" smtClean="0"/>
-              <a:t>11/24/2015</a:t>
+              <a:t>11/30/2015</a:t>
             </a:fld>
             <a:endParaRPr lang="en-US"/>
           </a:p>
@@ -8565,7 +8565,7 @@
           <a:p>
             <a:fld id="{45F8B078-4D02-45C3-B284-451A14CEFD4C}" type="datetimeFigureOut">
               <a:rPr lang="en-US" smtClean="0"/>
-              <a:t>11/24/2015</a:t>
+              <a:t>11/30/2015</a:t>
             </a:fld>
             <a:endParaRPr lang="en-US"/>
           </a:p>
@@ -8773,7 +8773,7 @@
           <a:p>
             <a:fld id="{45F8B078-4D02-45C3-B284-451A14CEFD4C}" type="datetimeFigureOut">
               <a:rPr lang="en-US" smtClean="0"/>
-              <a:t>11/24/2015</a:t>
+              <a:t>11/30/2015</a:t>
             </a:fld>
             <a:endParaRPr lang="en-US"/>
           </a:p>
@@ -8953,7 +8953,7 @@
           <a:p>
             <a:fld id="{45F8B078-4D02-45C3-B284-451A14CEFD4C}" type="datetimeFigureOut">
               <a:rPr lang="en-US" smtClean="0"/>
-              <a:t>11/24/2015</a:t>
+              <a:t>11/30/2015</a:t>
             </a:fld>
             <a:endParaRPr lang="en-US"/>
           </a:p>
@@ -9289,7 +9289,7 @@
           <a:p>
             <a:fld id="{45F8B078-4D02-45C3-B284-451A14CEFD4C}" type="datetimeFigureOut">
               <a:rPr lang="en-US" smtClean="0"/>
-              <a:t>11/24/2015</a:t>
+              <a:t>11/30/2015</a:t>
             </a:fld>
             <a:endParaRPr lang="en-US"/>
           </a:p>
@@ -9637,7 +9637,7 @@
           <a:p>
             <a:fld id="{45F8B078-4D02-45C3-B284-451A14CEFD4C}" type="datetimeFigureOut">
               <a:rPr lang="en-US" smtClean="0"/>
-              <a:t>11/24/2015</a:t>
+              <a:t>11/30/2015</a:t>
             </a:fld>
             <a:endParaRPr lang="en-US"/>
           </a:p>
@@ -11757,7 +11757,7 @@
           <a:p>
             <a:fld id="{45F8B078-4D02-45C3-B284-451A14CEFD4C}" type="datetimeFigureOut">
               <a:rPr lang="en-US" smtClean="0"/>
-              <a:t>11/24/2015</a:t>
+              <a:t>11/30/2015</a:t>
             </a:fld>
             <a:endParaRPr lang="en-US"/>
           </a:p>
@@ -12493,7 +12493,7 @@
             <p:ph sz="quarter" idx="4294967295"/>
             <p:extLst>
               <p:ext uri="{D42A27DB-BD31-4B8C-83A1-F6EECF244321}">
-                <p14:modId xmlns:p14="http://schemas.microsoft.com/office/powerpoint/2010/main" val="1396010028"/>
+                <p14:modId xmlns:p14="http://schemas.microsoft.com/office/powerpoint/2010/main" val="2178352388"/>
               </p:ext>
             </p:extLst>
           </p:nvPr>
@@ -14085,11 +14085,7 @@
             <a:pPr lvl="1"/>
             <a:r>
               <a:rPr lang="en-US" dirty="0" smtClean="0"/>
-              <a:t>Each </a:t>
-            </a:r>
-            <a:r>
-              <a:rPr lang="en-US" dirty="0" smtClean="0"/>
-              <a:t>member codes the alternative algorithms picked</a:t>
+              <a:t>Each member codes the alternative algorithms picked</a:t>
             </a:r>
           </a:p>
           <a:p>
@@ -19311,7 +19307,7 @@
   <a:extraClrSchemeLst/>
   <a:extLst>
     <a:ext uri="{05A4C25C-085E-4340-85A3-A5531E510DB2}">
-      <thm15:themeFamily xmlns:thm15="http://schemas.microsoft.com/office/thememl/2012/main" xmlns="" name="Wisp" id="{7CB32D59-10C0-40DD-B7BD-2E94284A981C}" vid="{24B1A44C-C006-48B2-A4D7-E5549B3D8CD4}"/>
+      <thm15:themeFamily xmlns="" xmlns:thm15="http://schemas.microsoft.com/office/thememl/2012/main" name="Wisp" id="{7CB32D59-10C0-40DD-B7BD-2E94284A981C}" vid="{24B1A44C-C006-48B2-A4D7-E5549B3D8CD4}"/>
     </a:ext>
   </a:extLst>
 </a:theme>

--- a/Deliverables/PowerPoint/Digital Humanities.pptx
+++ b/Deliverables/PowerPoint/Digital Humanities.pptx
@@ -8,12 +8,12 @@
     <p:sldId id="256" r:id="rId2"/>
     <p:sldId id="257" r:id="rId3"/>
     <p:sldId id="266" r:id="rId4"/>
-    <p:sldId id="269" r:id="rId5"/>
-    <p:sldId id="270" r:id="rId6"/>
-    <p:sldId id="264" r:id="rId7"/>
-    <p:sldId id="263" r:id="rId8"/>
-    <p:sldId id="273" r:id="rId9"/>
-    <p:sldId id="271" r:id="rId10"/>
+    <p:sldId id="273" r:id="rId5"/>
+    <p:sldId id="271" r:id="rId6"/>
+    <p:sldId id="269" r:id="rId7"/>
+    <p:sldId id="270" r:id="rId8"/>
+    <p:sldId id="264" r:id="rId9"/>
+    <p:sldId id="263" r:id="rId10"/>
     <p:sldId id="274" r:id="rId11"/>
     <p:sldId id="275" r:id="rId12"/>
     <p:sldId id="276" r:id="rId13"/>
@@ -118,7 +118,7 @@
   </p:defaultTextStyle>
   <p:extLst>
     <p:ext uri="{EFAFB233-063F-42B5-8137-9DF3F51BA10A}">
-      <p15:sldGuideLst xmlns="" xmlns:p15="http://schemas.microsoft.com/office/powerpoint/2012/main">
+      <p15:sldGuideLst xmlns:p15="http://schemas.microsoft.com/office/powerpoint/2012/main" xmlns="">
         <p15:guide id="1" orient="horz" pos="2160">
           <p15:clr>
             <a:srgbClr val="A4A3A4"/>
@@ -136,6 +136,420 @@
 </file>
 
 <file path=ppt/charts/chart1.xml><?xml version="1.0" encoding="utf-8"?>
+<c:chartSpace xmlns:c="http://schemas.openxmlformats.org/drawingml/2006/chart" xmlns:a="http://schemas.openxmlformats.org/drawingml/2006/main" xmlns:r="http://schemas.openxmlformats.org/officeDocument/2006/relationships">
+  <c:date1904 val="0"/>
+  <c:lang val="en-US"/>
+  <c:roundedCorners val="0"/>
+  <mc:AlternateContent xmlns:mc="http://schemas.openxmlformats.org/markup-compatibility/2006">
+    <mc:Choice xmlns:c14="http://schemas.microsoft.com/office/drawing/2007/8/2/chart" Requires="c14">
+      <c14:style val="102"/>
+    </mc:Choice>
+    <mc:Fallback>
+      <c:style val="2"/>
+    </mc:Fallback>
+  </mc:AlternateContent>
+  <c:chart>
+    <c:title>
+      <c:tx>
+        <c:rich>
+          <a:bodyPr rot="0" spcFirstLastPara="1" vertOverflow="ellipsis" vert="horz" wrap="square" anchor="ctr" anchorCtr="1"/>
+          <a:lstStyle/>
+          <a:p>
+            <a:pPr>
+              <a:defRPr sz="1400" b="0" i="0" u="none" strike="noStrike" kern="1200" spc="0" baseline="0">
+                <a:solidFill>
+                  <a:schemeClr val="tx1">
+                    <a:lumMod val="65000"/>
+                    <a:lumOff val="35000"/>
+                  </a:schemeClr>
+                </a:solidFill>
+                <a:latin typeface="+mn-lt"/>
+                <a:ea typeface="+mn-ea"/>
+                <a:cs typeface="+mn-cs"/>
+              </a:defRPr>
+            </a:pPr>
+            <a:r>
+              <a:rPr lang="en-US"/>
+              <a:t>Levenshtein vs. Needleman-Wunsch</a:t>
+            </a:r>
+          </a:p>
+        </c:rich>
+      </c:tx>
+      <c:layout/>
+      <c:overlay val="0"/>
+      <c:spPr>
+        <a:noFill/>
+        <a:ln>
+          <a:noFill/>
+        </a:ln>
+        <a:effectLst/>
+      </c:spPr>
+    </c:title>
+    <c:autoTitleDeleted val="0"/>
+    <c:plotArea>
+      <c:layout/>
+      <c:barChart>
+        <c:barDir val="col"/>
+        <c:grouping val="clustered"/>
+        <c:varyColors val="0"/>
+        <c:ser>
+          <c:idx val="0"/>
+          <c:order val="0"/>
+          <c:tx>
+            <c:strRef>
+              <c:f>'Time Complexity (ED)'!$A$3</c:f>
+              <c:strCache>
+                <c:ptCount val="1"/>
+                <c:pt idx="0">
+                  <c:v>Levenshtein's Distance</c:v>
+                </c:pt>
+              </c:strCache>
+            </c:strRef>
+          </c:tx>
+          <c:spPr>
+            <a:solidFill>
+              <a:schemeClr val="accent2"/>
+            </a:solidFill>
+            <a:ln>
+              <a:noFill/>
+            </a:ln>
+            <a:effectLst/>
+          </c:spPr>
+          <c:invertIfNegative val="0"/>
+          <c:cat>
+            <c:strRef>
+              <c:f>'Time Complexity (ED)'!$B$2:$D$2</c:f>
+              <c:strCache>
+                <c:ptCount val="3"/>
+                <c:pt idx="0">
+                  <c:v>Greg</c:v>
+                </c:pt>
+                <c:pt idx="1">
+                  <c:v>Kevin</c:v>
+                </c:pt>
+                <c:pt idx="2">
+                  <c:v>Marlene</c:v>
+                </c:pt>
+              </c:strCache>
+            </c:strRef>
+          </c:cat>
+          <c:val>
+            <c:numRef>
+              <c:f>'Time Complexity (ED)'!$B$3:$D$3</c:f>
+              <c:numCache>
+                <c:formatCode>General</c:formatCode>
+                <c:ptCount val="3"/>
+                <c:pt idx="0">
+                  <c:v>3.7692866999999998E-2</c:v>
+                </c:pt>
+                <c:pt idx="1">
+                  <c:v>3.3205800000000001E-2</c:v>
+                </c:pt>
+                <c:pt idx="2">
+                  <c:v>3.6413833333333333E-2</c:v>
+                </c:pt>
+              </c:numCache>
+            </c:numRef>
+          </c:val>
+        </c:ser>
+        <c:ser>
+          <c:idx val="1"/>
+          <c:order val="1"/>
+          <c:tx>
+            <c:strRef>
+              <c:f>'Time Complexity (ED)'!$A$6</c:f>
+              <c:strCache>
+                <c:ptCount val="1"/>
+                <c:pt idx="0">
+                  <c:v>Needleman-Wunsch Distance</c:v>
+                </c:pt>
+              </c:strCache>
+            </c:strRef>
+          </c:tx>
+          <c:spPr>
+            <a:solidFill>
+              <a:schemeClr val="accent4"/>
+            </a:solidFill>
+            <a:ln>
+              <a:noFill/>
+            </a:ln>
+            <a:effectLst/>
+          </c:spPr>
+          <c:invertIfNegative val="0"/>
+          <c:cat>
+            <c:strRef>
+              <c:f>'Time Complexity (ED)'!$B$2:$D$2</c:f>
+              <c:strCache>
+                <c:ptCount val="3"/>
+                <c:pt idx="0">
+                  <c:v>Greg</c:v>
+                </c:pt>
+                <c:pt idx="1">
+                  <c:v>Kevin</c:v>
+                </c:pt>
+                <c:pt idx="2">
+                  <c:v>Marlene</c:v>
+                </c:pt>
+              </c:strCache>
+            </c:strRef>
+          </c:cat>
+          <c:val>
+            <c:numRef>
+              <c:f>'Time Complexity (ED)'!$B$6:$D$6</c:f>
+              <c:numCache>
+                <c:formatCode>General</c:formatCode>
+                <c:ptCount val="3"/>
+                <c:pt idx="0">
+                  <c:v>4.55319E-2</c:v>
+                </c:pt>
+                <c:pt idx="1">
+                  <c:v>2.5718100000000004E-2</c:v>
+                </c:pt>
+                <c:pt idx="2">
+                  <c:v>2.3410799999999999E-2</c:v>
+                </c:pt>
+              </c:numCache>
+            </c:numRef>
+          </c:val>
+        </c:ser>
+        <c:dLbls>
+          <c:showLegendKey val="0"/>
+          <c:showVal val="0"/>
+          <c:showCatName val="0"/>
+          <c:showSerName val="0"/>
+          <c:showPercent val="0"/>
+          <c:showBubbleSize val="0"/>
+        </c:dLbls>
+        <c:gapWidth val="150"/>
+        <c:axId val="121402880"/>
+        <c:axId val="121735424"/>
+      </c:barChart>
+      <c:catAx>
+        <c:axId val="121402880"/>
+        <c:scaling>
+          <c:orientation val="minMax"/>
+        </c:scaling>
+        <c:delete val="0"/>
+        <c:axPos val="b"/>
+        <c:numFmt formatCode="General" sourceLinked="1"/>
+        <c:majorTickMark val="none"/>
+        <c:minorTickMark val="none"/>
+        <c:tickLblPos val="nextTo"/>
+        <c:spPr>
+          <a:noFill/>
+          <a:ln w="9525" cap="flat" cmpd="sng" algn="ctr">
+            <a:solidFill>
+              <a:schemeClr val="tx1">
+                <a:lumMod val="15000"/>
+                <a:lumOff val="85000"/>
+              </a:schemeClr>
+            </a:solidFill>
+            <a:round/>
+          </a:ln>
+          <a:effectLst/>
+        </c:spPr>
+        <c:txPr>
+          <a:bodyPr rot="-60000000" spcFirstLastPara="1" vertOverflow="ellipsis" vert="horz" wrap="square" anchor="ctr" anchorCtr="1"/>
+          <a:lstStyle/>
+          <a:p>
+            <a:pPr>
+              <a:defRPr sz="900" b="0" i="0" u="none" strike="noStrike" kern="1200" baseline="0">
+                <a:solidFill>
+                  <a:schemeClr val="tx1">
+                    <a:lumMod val="65000"/>
+                    <a:lumOff val="35000"/>
+                  </a:schemeClr>
+                </a:solidFill>
+                <a:latin typeface="+mn-lt"/>
+                <a:ea typeface="+mn-ea"/>
+                <a:cs typeface="+mn-cs"/>
+              </a:defRPr>
+            </a:pPr>
+            <a:endParaRPr lang="en-US"/>
+          </a:p>
+        </c:txPr>
+        <c:crossAx val="121735424"/>
+        <c:crosses val="autoZero"/>
+        <c:auto val="1"/>
+        <c:lblAlgn val="ctr"/>
+        <c:lblOffset val="100"/>
+        <c:noMultiLvlLbl val="0"/>
+      </c:catAx>
+      <c:valAx>
+        <c:axId val="121735424"/>
+        <c:scaling>
+          <c:orientation val="minMax"/>
+        </c:scaling>
+        <c:delete val="0"/>
+        <c:axPos val="l"/>
+        <c:majorGridlines>
+          <c:spPr>
+            <a:ln w="9525" cap="flat" cmpd="sng" algn="ctr">
+              <a:solidFill>
+                <a:schemeClr val="tx1">
+                  <a:lumMod val="15000"/>
+                  <a:lumOff val="85000"/>
+                </a:schemeClr>
+              </a:solidFill>
+              <a:round/>
+            </a:ln>
+            <a:effectLst/>
+          </c:spPr>
+        </c:majorGridlines>
+        <c:title>
+          <c:tx>
+            <c:rich>
+              <a:bodyPr rot="-5400000" spcFirstLastPara="1" vertOverflow="ellipsis" vert="horz" wrap="square" anchor="ctr" anchorCtr="1"/>
+              <a:lstStyle/>
+              <a:p>
+                <a:pPr>
+                  <a:defRPr sz="1000" b="0" i="0" u="none" strike="noStrike" kern="1200" baseline="0">
+                    <a:solidFill>
+                      <a:schemeClr val="tx1">
+                        <a:lumMod val="65000"/>
+                        <a:lumOff val="35000"/>
+                      </a:schemeClr>
+                    </a:solidFill>
+                    <a:latin typeface="+mn-lt"/>
+                    <a:ea typeface="+mn-ea"/>
+                    <a:cs typeface="+mn-cs"/>
+                  </a:defRPr>
+                </a:pPr>
+                <a:r>
+                  <a:rPr lang="en-US"/>
+                  <a:t>Run-time in Seconds</a:t>
+                </a:r>
+              </a:p>
+            </c:rich>
+          </c:tx>
+          <c:layout/>
+          <c:overlay val="0"/>
+          <c:spPr>
+            <a:noFill/>
+            <a:ln>
+              <a:noFill/>
+            </a:ln>
+            <a:effectLst/>
+          </c:spPr>
+        </c:title>
+        <c:numFmt formatCode="General" sourceLinked="1"/>
+        <c:majorTickMark val="none"/>
+        <c:minorTickMark val="none"/>
+        <c:tickLblPos val="nextTo"/>
+        <c:spPr>
+          <a:noFill/>
+          <a:ln>
+            <a:noFill/>
+          </a:ln>
+          <a:effectLst/>
+        </c:spPr>
+        <c:txPr>
+          <a:bodyPr rot="-60000000" spcFirstLastPara="1" vertOverflow="ellipsis" vert="horz" wrap="square" anchor="ctr" anchorCtr="1"/>
+          <a:lstStyle/>
+          <a:p>
+            <a:pPr>
+              <a:defRPr sz="900" b="0" i="0" u="none" strike="noStrike" kern="1200" baseline="0">
+                <a:solidFill>
+                  <a:schemeClr val="tx1">
+                    <a:lumMod val="65000"/>
+                    <a:lumOff val="35000"/>
+                  </a:schemeClr>
+                </a:solidFill>
+                <a:latin typeface="+mn-lt"/>
+                <a:ea typeface="+mn-ea"/>
+                <a:cs typeface="+mn-cs"/>
+              </a:defRPr>
+            </a:pPr>
+            <a:endParaRPr lang="en-US"/>
+          </a:p>
+        </c:txPr>
+        <c:crossAx val="121402880"/>
+        <c:crosses val="autoZero"/>
+        <c:crossBetween val="between"/>
+      </c:valAx>
+      <c:dTable>
+        <c:showHorzBorder val="1"/>
+        <c:showVertBorder val="1"/>
+        <c:showOutline val="1"/>
+        <c:showKeys val="1"/>
+        <c:spPr>
+          <a:noFill/>
+          <a:ln w="9525" cap="flat" cmpd="sng" algn="ctr">
+            <a:solidFill>
+              <a:schemeClr val="tx1">
+                <a:lumMod val="15000"/>
+                <a:lumOff val="85000"/>
+              </a:schemeClr>
+            </a:solidFill>
+            <a:round/>
+          </a:ln>
+          <a:effectLst/>
+        </c:spPr>
+        <c:txPr>
+          <a:bodyPr rot="0" spcFirstLastPara="1" vertOverflow="ellipsis" vert="horz" wrap="square" anchor="ctr" anchorCtr="1"/>
+          <a:lstStyle/>
+          <a:p>
+            <a:pPr rtl="0">
+              <a:defRPr sz="900" b="0" i="0" u="none" strike="noStrike" kern="1200" baseline="0">
+                <a:solidFill>
+                  <a:schemeClr val="tx1">
+                    <a:lumMod val="65000"/>
+                    <a:lumOff val="35000"/>
+                  </a:schemeClr>
+                </a:solidFill>
+                <a:latin typeface="+mn-lt"/>
+                <a:ea typeface="+mn-ea"/>
+                <a:cs typeface="+mn-cs"/>
+              </a:defRPr>
+            </a:pPr>
+            <a:endParaRPr lang="en-US"/>
+          </a:p>
+        </c:txPr>
+      </c:dTable>
+      <c:spPr>
+        <a:noFill/>
+        <a:ln>
+          <a:noFill/>
+        </a:ln>
+        <a:effectLst/>
+      </c:spPr>
+    </c:plotArea>
+    <c:plotVisOnly val="1"/>
+    <c:dispBlanksAs val="gap"/>
+    <c:showDLblsOverMax val="0"/>
+  </c:chart>
+  <c:spPr>
+    <a:solidFill>
+      <a:schemeClr val="bg1"/>
+    </a:solidFill>
+    <a:ln w="9525" cap="flat" cmpd="sng" algn="ctr">
+      <a:solidFill>
+        <a:schemeClr val="tx1">
+          <a:lumMod val="15000"/>
+          <a:lumOff val="85000"/>
+        </a:schemeClr>
+      </a:solidFill>
+      <a:round/>
+    </a:ln>
+    <a:effectLst/>
+  </c:spPr>
+  <c:txPr>
+    <a:bodyPr/>
+    <a:lstStyle/>
+    <a:p>
+      <a:pPr>
+        <a:defRPr/>
+      </a:pPr>
+      <a:endParaRPr lang="en-US"/>
+    </a:p>
+  </c:txPr>
+  <c:externalData r:id="rId1">
+    <c:autoUpdate val="0"/>
+  </c:externalData>
+</c:chartSpace>
+</file>
+
+<file path=ppt/charts/chart2.xml><?xml version="1.0" encoding="utf-8"?>
 <c:chartSpace xmlns:c="http://schemas.openxmlformats.org/drawingml/2006/chart" xmlns:a="http://schemas.openxmlformats.org/drawingml/2006/main" xmlns:r="http://schemas.openxmlformats.org/officeDocument/2006/relationships">
   <c:date1904 val="0"/>
   <c:lang val="en-US"/>
@@ -328,11 +742,11 @@
           <c:showBubbleSize val="0"/>
         </c:dLbls>
         <c:gapWidth val="150"/>
-        <c:axId val="49949184"/>
-        <c:axId val="95245952"/>
+        <c:axId val="110438912"/>
+        <c:axId val="110844096"/>
       </c:barChart>
       <c:catAx>
-        <c:axId val="49949184"/>
+        <c:axId val="110438912"/>
         <c:scaling>
           <c:orientation val="minMax"/>
         </c:scaling>
@@ -375,7 +789,7 @@
             <a:endParaRPr lang="en-US"/>
           </a:p>
         </c:txPr>
-        <c:crossAx val="95245952"/>
+        <c:crossAx val="110844096"/>
         <c:crosses val="autoZero"/>
         <c:auto val="1"/>
         <c:lblAlgn val="ctr"/>
@@ -383,7 +797,7 @@
         <c:noMultiLvlLbl val="0"/>
       </c:catAx>
       <c:valAx>
-        <c:axId val="95245952"/>
+        <c:axId val="110844096"/>
         <c:scaling>
           <c:orientation val="minMax"/>
         </c:scaling>
@@ -470,7 +884,7 @@
             <a:endParaRPr lang="en-US"/>
           </a:p>
         </c:txPr>
-        <c:crossAx val="49949184"/>
+        <c:crossAx val="110438912"/>
         <c:crosses val="autoZero"/>
         <c:crossBetween val="between"/>
       </c:valAx>
@@ -509,7 +923,7 @@
 </c:chartSpace>
 </file>
 
-<file path=ppt/charts/chart2.xml><?xml version="1.0" encoding="utf-8"?>
+<file path=ppt/charts/chart3.xml><?xml version="1.0" encoding="utf-8"?>
 <c:chartSpace xmlns:c="http://schemas.openxmlformats.org/drawingml/2006/chart" xmlns:a="http://schemas.openxmlformats.org/drawingml/2006/main" xmlns:r="http://schemas.openxmlformats.org/officeDocument/2006/relationships">
   <c:date1904 val="0"/>
   <c:lang val="en-US"/>
@@ -695,11 +1109,11 @@
           <c:showBubbleSize val="0"/>
         </c:dLbls>
         <c:gapWidth val="150"/>
-        <c:axId val="50597376"/>
-        <c:axId val="95247680"/>
+        <c:axId val="110439424"/>
+        <c:axId val="121733120"/>
       </c:barChart>
       <c:catAx>
-        <c:axId val="50597376"/>
+        <c:axId val="110439424"/>
         <c:scaling>
           <c:orientation val="minMax"/>
         </c:scaling>
@@ -742,7 +1156,7 @@
             <a:endParaRPr lang="en-US"/>
           </a:p>
         </c:txPr>
-        <c:crossAx val="95247680"/>
+        <c:crossAx val="121733120"/>
         <c:crosses val="autoZero"/>
         <c:auto val="1"/>
         <c:lblAlgn val="ctr"/>
@@ -750,7 +1164,7 @@
         <c:noMultiLvlLbl val="0"/>
       </c:catAx>
       <c:valAx>
-        <c:axId val="95247680"/>
+        <c:axId val="121733120"/>
         <c:scaling>
           <c:orientation val="minMax"/>
         </c:scaling>
@@ -837,7 +1251,7 @@
             <a:endParaRPr lang="en-US"/>
           </a:p>
         </c:txPr>
-        <c:crossAx val="50597376"/>
+        <c:crossAx val="110439424"/>
         <c:crosses val="autoZero"/>
         <c:crossBetween val="between"/>
       </c:valAx>
@@ -923,7 +1337,7 @@
 </c:chartSpace>
 </file>
 
-<file path=ppt/charts/chart3.xml><?xml version="1.0" encoding="utf-8"?>
+<file path=ppt/charts/chart4.xml><?xml version="1.0" encoding="utf-8"?>
 <c:chartSpace xmlns:c="http://schemas.openxmlformats.org/drawingml/2006/chart" xmlns:a="http://schemas.openxmlformats.org/drawingml/2006/main" xmlns:r="http://schemas.openxmlformats.org/officeDocument/2006/relationships">
   <c:date1904 val="0"/>
   <c:lang val="en-US"/>
@@ -1116,11 +1530,11 @@
           <c:showBubbleSize val="0"/>
         </c:dLbls>
         <c:gapWidth val="150"/>
-        <c:axId val="46981120"/>
-        <c:axId val="51026688"/>
+        <c:axId val="43649536"/>
+        <c:axId val="121738304"/>
       </c:barChart>
       <c:catAx>
-        <c:axId val="46981120"/>
+        <c:axId val="43649536"/>
         <c:scaling>
           <c:orientation val="minMax"/>
         </c:scaling>
@@ -1163,7 +1577,7 @@
             <a:endParaRPr lang="en-US"/>
           </a:p>
         </c:txPr>
-        <c:crossAx val="51026688"/>
+        <c:crossAx val="121738304"/>
         <c:crosses val="autoZero"/>
         <c:auto val="1"/>
         <c:lblAlgn val="ctr"/>
@@ -1171,7 +1585,7 @@
         <c:noMultiLvlLbl val="0"/>
       </c:catAx>
       <c:valAx>
-        <c:axId val="51026688"/>
+        <c:axId val="121738304"/>
         <c:scaling>
           <c:orientation val="minMax"/>
         </c:scaling>
@@ -1258,7 +1672,7 @@
             <a:endParaRPr lang="en-US"/>
           </a:p>
         </c:txPr>
-        <c:crossAx val="46981120"/>
+        <c:crossAx val="43649536"/>
         <c:crosses val="autoZero"/>
         <c:crossBetween val="between"/>
       </c:valAx>
@@ -1317,420 +1731,6 @@
     <a:noFill/>
     <a:ln>
       <a:noFill/>
-    </a:ln>
-    <a:effectLst/>
-  </c:spPr>
-  <c:txPr>
-    <a:bodyPr/>
-    <a:lstStyle/>
-    <a:p>
-      <a:pPr>
-        <a:defRPr/>
-      </a:pPr>
-      <a:endParaRPr lang="en-US"/>
-    </a:p>
-  </c:txPr>
-  <c:externalData r:id="rId1">
-    <c:autoUpdate val="0"/>
-  </c:externalData>
-</c:chartSpace>
-</file>
-
-<file path=ppt/charts/chart4.xml><?xml version="1.0" encoding="utf-8"?>
-<c:chartSpace xmlns:c="http://schemas.openxmlformats.org/drawingml/2006/chart" xmlns:a="http://schemas.openxmlformats.org/drawingml/2006/main" xmlns:r="http://schemas.openxmlformats.org/officeDocument/2006/relationships">
-  <c:date1904 val="0"/>
-  <c:lang val="en-US"/>
-  <c:roundedCorners val="0"/>
-  <mc:AlternateContent xmlns:mc="http://schemas.openxmlformats.org/markup-compatibility/2006">
-    <mc:Choice xmlns:c14="http://schemas.microsoft.com/office/drawing/2007/8/2/chart" Requires="c14">
-      <c14:style val="102"/>
-    </mc:Choice>
-    <mc:Fallback>
-      <c:style val="2"/>
-    </mc:Fallback>
-  </mc:AlternateContent>
-  <c:chart>
-    <c:title>
-      <c:tx>
-        <c:rich>
-          <a:bodyPr rot="0" spcFirstLastPara="1" vertOverflow="ellipsis" vert="horz" wrap="square" anchor="ctr" anchorCtr="1"/>
-          <a:lstStyle/>
-          <a:p>
-            <a:pPr>
-              <a:defRPr sz="1400" b="0" i="0" u="none" strike="noStrike" kern="1200" spc="0" baseline="0">
-                <a:solidFill>
-                  <a:schemeClr val="tx1">
-                    <a:lumMod val="65000"/>
-                    <a:lumOff val="35000"/>
-                  </a:schemeClr>
-                </a:solidFill>
-                <a:latin typeface="+mn-lt"/>
-                <a:ea typeface="+mn-ea"/>
-                <a:cs typeface="+mn-cs"/>
-              </a:defRPr>
-            </a:pPr>
-            <a:r>
-              <a:rPr lang="en-US"/>
-              <a:t>Levenshtein vs. Needleman-Wunsch</a:t>
-            </a:r>
-          </a:p>
-        </c:rich>
-      </c:tx>
-      <c:layout/>
-      <c:overlay val="0"/>
-      <c:spPr>
-        <a:noFill/>
-        <a:ln>
-          <a:noFill/>
-        </a:ln>
-        <a:effectLst/>
-      </c:spPr>
-    </c:title>
-    <c:autoTitleDeleted val="0"/>
-    <c:plotArea>
-      <c:layout/>
-      <c:barChart>
-        <c:barDir val="col"/>
-        <c:grouping val="clustered"/>
-        <c:varyColors val="0"/>
-        <c:ser>
-          <c:idx val="0"/>
-          <c:order val="0"/>
-          <c:tx>
-            <c:strRef>
-              <c:f>'Time Complexity (ED)'!$A$3</c:f>
-              <c:strCache>
-                <c:ptCount val="1"/>
-                <c:pt idx="0">
-                  <c:v>Levenshtein's Distance</c:v>
-                </c:pt>
-              </c:strCache>
-            </c:strRef>
-          </c:tx>
-          <c:spPr>
-            <a:solidFill>
-              <a:schemeClr val="accent2"/>
-            </a:solidFill>
-            <a:ln>
-              <a:noFill/>
-            </a:ln>
-            <a:effectLst/>
-          </c:spPr>
-          <c:invertIfNegative val="0"/>
-          <c:cat>
-            <c:strRef>
-              <c:f>'Time Complexity (ED)'!$B$2:$D$2</c:f>
-              <c:strCache>
-                <c:ptCount val="3"/>
-                <c:pt idx="0">
-                  <c:v>Greg</c:v>
-                </c:pt>
-                <c:pt idx="1">
-                  <c:v>Kevin</c:v>
-                </c:pt>
-                <c:pt idx="2">
-                  <c:v>Marlene</c:v>
-                </c:pt>
-              </c:strCache>
-            </c:strRef>
-          </c:cat>
-          <c:val>
-            <c:numRef>
-              <c:f>'Time Complexity (ED)'!$B$3:$D$3</c:f>
-              <c:numCache>
-                <c:formatCode>General</c:formatCode>
-                <c:ptCount val="3"/>
-                <c:pt idx="0">
-                  <c:v>3.7692866999999998E-2</c:v>
-                </c:pt>
-                <c:pt idx="1">
-                  <c:v>3.3205800000000001E-2</c:v>
-                </c:pt>
-                <c:pt idx="2">
-                  <c:v>3.6413833333333333E-2</c:v>
-                </c:pt>
-              </c:numCache>
-            </c:numRef>
-          </c:val>
-        </c:ser>
-        <c:ser>
-          <c:idx val="1"/>
-          <c:order val="1"/>
-          <c:tx>
-            <c:strRef>
-              <c:f>'Time Complexity (ED)'!$A$6</c:f>
-              <c:strCache>
-                <c:ptCount val="1"/>
-                <c:pt idx="0">
-                  <c:v>Needleman-Wunsch Distance</c:v>
-                </c:pt>
-              </c:strCache>
-            </c:strRef>
-          </c:tx>
-          <c:spPr>
-            <a:solidFill>
-              <a:schemeClr val="accent4"/>
-            </a:solidFill>
-            <a:ln>
-              <a:noFill/>
-            </a:ln>
-            <a:effectLst/>
-          </c:spPr>
-          <c:invertIfNegative val="0"/>
-          <c:cat>
-            <c:strRef>
-              <c:f>'Time Complexity (ED)'!$B$2:$D$2</c:f>
-              <c:strCache>
-                <c:ptCount val="3"/>
-                <c:pt idx="0">
-                  <c:v>Greg</c:v>
-                </c:pt>
-                <c:pt idx="1">
-                  <c:v>Kevin</c:v>
-                </c:pt>
-                <c:pt idx="2">
-                  <c:v>Marlene</c:v>
-                </c:pt>
-              </c:strCache>
-            </c:strRef>
-          </c:cat>
-          <c:val>
-            <c:numRef>
-              <c:f>'Time Complexity (ED)'!$B$6:$D$6</c:f>
-              <c:numCache>
-                <c:formatCode>General</c:formatCode>
-                <c:ptCount val="3"/>
-                <c:pt idx="0">
-                  <c:v>4.55319E-2</c:v>
-                </c:pt>
-                <c:pt idx="1">
-                  <c:v>2.5718100000000004E-2</c:v>
-                </c:pt>
-                <c:pt idx="2">
-                  <c:v>2.3410799999999999E-2</c:v>
-                </c:pt>
-              </c:numCache>
-            </c:numRef>
-          </c:val>
-        </c:ser>
-        <c:dLbls>
-          <c:showLegendKey val="0"/>
-          <c:showVal val="0"/>
-          <c:showCatName val="0"/>
-          <c:showSerName val="0"/>
-          <c:showPercent val="0"/>
-          <c:showBubbleSize val="0"/>
-        </c:dLbls>
-        <c:gapWidth val="150"/>
-        <c:axId val="50593792"/>
-        <c:axId val="51021504"/>
-      </c:barChart>
-      <c:catAx>
-        <c:axId val="50593792"/>
-        <c:scaling>
-          <c:orientation val="minMax"/>
-        </c:scaling>
-        <c:delete val="0"/>
-        <c:axPos val="b"/>
-        <c:numFmt formatCode="General" sourceLinked="1"/>
-        <c:majorTickMark val="none"/>
-        <c:minorTickMark val="none"/>
-        <c:tickLblPos val="nextTo"/>
-        <c:spPr>
-          <a:noFill/>
-          <a:ln w="9525" cap="flat" cmpd="sng" algn="ctr">
-            <a:solidFill>
-              <a:schemeClr val="tx1">
-                <a:lumMod val="15000"/>
-                <a:lumOff val="85000"/>
-              </a:schemeClr>
-            </a:solidFill>
-            <a:round/>
-          </a:ln>
-          <a:effectLst/>
-        </c:spPr>
-        <c:txPr>
-          <a:bodyPr rot="-60000000" spcFirstLastPara="1" vertOverflow="ellipsis" vert="horz" wrap="square" anchor="ctr" anchorCtr="1"/>
-          <a:lstStyle/>
-          <a:p>
-            <a:pPr>
-              <a:defRPr sz="900" b="0" i="0" u="none" strike="noStrike" kern="1200" baseline="0">
-                <a:solidFill>
-                  <a:schemeClr val="tx1">
-                    <a:lumMod val="65000"/>
-                    <a:lumOff val="35000"/>
-                  </a:schemeClr>
-                </a:solidFill>
-                <a:latin typeface="+mn-lt"/>
-                <a:ea typeface="+mn-ea"/>
-                <a:cs typeface="+mn-cs"/>
-              </a:defRPr>
-            </a:pPr>
-            <a:endParaRPr lang="en-US"/>
-          </a:p>
-        </c:txPr>
-        <c:crossAx val="51021504"/>
-        <c:crosses val="autoZero"/>
-        <c:auto val="1"/>
-        <c:lblAlgn val="ctr"/>
-        <c:lblOffset val="100"/>
-        <c:noMultiLvlLbl val="0"/>
-      </c:catAx>
-      <c:valAx>
-        <c:axId val="51021504"/>
-        <c:scaling>
-          <c:orientation val="minMax"/>
-        </c:scaling>
-        <c:delete val="0"/>
-        <c:axPos val="l"/>
-        <c:majorGridlines>
-          <c:spPr>
-            <a:ln w="9525" cap="flat" cmpd="sng" algn="ctr">
-              <a:solidFill>
-                <a:schemeClr val="tx1">
-                  <a:lumMod val="15000"/>
-                  <a:lumOff val="85000"/>
-                </a:schemeClr>
-              </a:solidFill>
-              <a:round/>
-            </a:ln>
-            <a:effectLst/>
-          </c:spPr>
-        </c:majorGridlines>
-        <c:title>
-          <c:tx>
-            <c:rich>
-              <a:bodyPr rot="-5400000" spcFirstLastPara="1" vertOverflow="ellipsis" vert="horz" wrap="square" anchor="ctr" anchorCtr="1"/>
-              <a:lstStyle/>
-              <a:p>
-                <a:pPr>
-                  <a:defRPr sz="1000" b="0" i="0" u="none" strike="noStrike" kern="1200" baseline="0">
-                    <a:solidFill>
-                      <a:schemeClr val="tx1">
-                        <a:lumMod val="65000"/>
-                        <a:lumOff val="35000"/>
-                      </a:schemeClr>
-                    </a:solidFill>
-                    <a:latin typeface="+mn-lt"/>
-                    <a:ea typeface="+mn-ea"/>
-                    <a:cs typeface="+mn-cs"/>
-                  </a:defRPr>
-                </a:pPr>
-                <a:r>
-                  <a:rPr lang="en-US"/>
-                  <a:t>Run-time in Seconds</a:t>
-                </a:r>
-              </a:p>
-            </c:rich>
-          </c:tx>
-          <c:layout/>
-          <c:overlay val="0"/>
-          <c:spPr>
-            <a:noFill/>
-            <a:ln>
-              <a:noFill/>
-            </a:ln>
-            <a:effectLst/>
-          </c:spPr>
-        </c:title>
-        <c:numFmt formatCode="General" sourceLinked="1"/>
-        <c:majorTickMark val="none"/>
-        <c:minorTickMark val="none"/>
-        <c:tickLblPos val="nextTo"/>
-        <c:spPr>
-          <a:noFill/>
-          <a:ln>
-            <a:noFill/>
-          </a:ln>
-          <a:effectLst/>
-        </c:spPr>
-        <c:txPr>
-          <a:bodyPr rot="-60000000" spcFirstLastPara="1" vertOverflow="ellipsis" vert="horz" wrap="square" anchor="ctr" anchorCtr="1"/>
-          <a:lstStyle/>
-          <a:p>
-            <a:pPr>
-              <a:defRPr sz="900" b="0" i="0" u="none" strike="noStrike" kern="1200" baseline="0">
-                <a:solidFill>
-                  <a:schemeClr val="tx1">
-                    <a:lumMod val="65000"/>
-                    <a:lumOff val="35000"/>
-                  </a:schemeClr>
-                </a:solidFill>
-                <a:latin typeface="+mn-lt"/>
-                <a:ea typeface="+mn-ea"/>
-                <a:cs typeface="+mn-cs"/>
-              </a:defRPr>
-            </a:pPr>
-            <a:endParaRPr lang="en-US"/>
-          </a:p>
-        </c:txPr>
-        <c:crossAx val="50593792"/>
-        <c:crosses val="autoZero"/>
-        <c:crossBetween val="between"/>
-      </c:valAx>
-      <c:dTable>
-        <c:showHorzBorder val="1"/>
-        <c:showVertBorder val="1"/>
-        <c:showOutline val="1"/>
-        <c:showKeys val="1"/>
-        <c:spPr>
-          <a:noFill/>
-          <a:ln w="9525" cap="flat" cmpd="sng" algn="ctr">
-            <a:solidFill>
-              <a:schemeClr val="tx1">
-                <a:lumMod val="15000"/>
-                <a:lumOff val="85000"/>
-              </a:schemeClr>
-            </a:solidFill>
-            <a:round/>
-          </a:ln>
-          <a:effectLst/>
-        </c:spPr>
-        <c:txPr>
-          <a:bodyPr rot="0" spcFirstLastPara="1" vertOverflow="ellipsis" vert="horz" wrap="square" anchor="ctr" anchorCtr="1"/>
-          <a:lstStyle/>
-          <a:p>
-            <a:pPr rtl="0">
-              <a:defRPr sz="900" b="0" i="0" u="none" strike="noStrike" kern="1200" baseline="0">
-                <a:solidFill>
-                  <a:schemeClr val="tx1">
-                    <a:lumMod val="65000"/>
-                    <a:lumOff val="35000"/>
-                  </a:schemeClr>
-                </a:solidFill>
-                <a:latin typeface="+mn-lt"/>
-                <a:ea typeface="+mn-ea"/>
-                <a:cs typeface="+mn-cs"/>
-              </a:defRPr>
-            </a:pPr>
-            <a:endParaRPr lang="en-US"/>
-          </a:p>
-        </c:txPr>
-      </c:dTable>
-      <c:spPr>
-        <a:noFill/>
-        <a:ln>
-          <a:noFill/>
-        </a:ln>
-        <a:effectLst/>
-      </c:spPr>
-    </c:plotArea>
-    <c:plotVisOnly val="1"/>
-    <c:dispBlanksAs val="gap"/>
-    <c:showDLblsOverMax val="0"/>
-  </c:chart>
-  <c:spPr>
-    <a:solidFill>
-      <a:schemeClr val="bg1"/>
-    </a:solidFill>
-    <a:ln w="9525" cap="flat" cmpd="sng" algn="ctr">
-      <a:solidFill>
-        <a:schemeClr val="tx1">
-          <a:lumMod val="15000"/>
-          <a:lumOff val="85000"/>
-        </a:schemeClr>
-      </a:solidFill>
-      <a:round/>
     </a:ln>
     <a:effectLst/>
   </c:spPr>
@@ -2325,11 +2325,11 @@
           <c:showBubbleSize val="0"/>
         </c:dLbls>
         <c:gapWidth val="150"/>
-        <c:axId val="46984192"/>
-        <c:axId val="46991040"/>
+        <c:axId val="44917248"/>
+        <c:axId val="121753536"/>
       </c:barChart>
       <c:catAx>
-        <c:axId val="46984192"/>
+        <c:axId val="44917248"/>
         <c:scaling>
           <c:orientation val="minMax"/>
         </c:scaling>
@@ -2371,7 +2371,7 @@
             <a:endParaRPr lang="en-US"/>
           </a:p>
         </c:txPr>
-        <c:crossAx val="46991040"/>
+        <c:crossAx val="121753536"/>
         <c:crosses val="autoZero"/>
         <c:auto val="1"/>
         <c:lblAlgn val="ctr"/>
@@ -2379,7 +2379,7 @@
         <c:noMultiLvlLbl val="0"/>
       </c:catAx>
       <c:valAx>
-        <c:axId val="46991040"/>
+        <c:axId val="121753536"/>
         <c:scaling>
           <c:orientation val="minMax"/>
         </c:scaling>
@@ -2429,7 +2429,7 @@
             <a:endParaRPr lang="en-US"/>
           </a:p>
         </c:txPr>
-        <c:crossAx val="46984192"/>
+        <c:crossAx val="44917248"/>
         <c:crosses val="autoZero"/>
         <c:crossBetween val="between"/>
       </c:valAx>
@@ -2849,11 +2849,11 @@
         </c:dLbls>
         <c:gapWidth val="115"/>
         <c:overlap val="-20"/>
-        <c:axId val="48947712"/>
-        <c:axId val="46992768"/>
+        <c:axId val="53415424"/>
+        <c:axId val="121755840"/>
       </c:barChart>
       <c:catAx>
-        <c:axId val="48947712"/>
+        <c:axId val="53415424"/>
         <c:scaling>
           <c:orientation val="minMax"/>
         </c:scaling>
@@ -2895,7 +2895,7 @@
             <a:endParaRPr lang="en-US"/>
           </a:p>
         </c:txPr>
-        <c:crossAx val="46992768"/>
+        <c:crossAx val="121755840"/>
         <c:crosses val="autoZero"/>
         <c:auto val="1"/>
         <c:lblAlgn val="ctr"/>
@@ -2903,7 +2903,7 @@
         <c:noMultiLvlLbl val="0"/>
       </c:catAx>
       <c:valAx>
-        <c:axId val="46992768"/>
+        <c:axId val="121755840"/>
         <c:scaling>
           <c:orientation val="minMax"/>
         </c:scaling>
@@ -2953,7 +2953,7 @@
             <a:endParaRPr lang="en-US"/>
           </a:p>
         </c:txPr>
-        <c:crossAx val="48947712"/>
+        <c:crossAx val="53415424"/>
         <c:crosses val="autoZero"/>
         <c:crossBetween val="between"/>
       </c:valAx>
@@ -15080,6 +15080,692 @@
           <a:lstStyle/>
           <a:p>
             <a:r>
+              <a:rPr lang="en-US" dirty="0" smtClean="0"/>
+              <a:t>Needleman-</a:t>
+            </a:r>
+            <a:r>
+              <a:rPr lang="en-US" dirty="0" err="1" smtClean="0"/>
+              <a:t>Wunsch</a:t>
+            </a:r>
+            <a:r>
+              <a:rPr lang="en-US" dirty="0" smtClean="0"/>
+              <a:t> Algorithm</a:t>
+            </a:r>
+            <a:endParaRPr lang="en-US" dirty="0"/>
+          </a:p>
+        </p:txBody>
+      </p:sp>
+      <p:sp>
+        <p:nvSpPr>
+          <p:cNvPr id="8" name="Content Placeholder 7"/>
+          <p:cNvSpPr>
+            <a:spLocks noGrp="1"/>
+          </p:cNvSpPr>
+          <p:nvPr>
+            <p:ph idx="1"/>
+          </p:nvPr>
+        </p:nvSpPr>
+        <p:spPr>
+          <a:xfrm>
+            <a:off x="2589212" y="2614411"/>
+            <a:ext cx="9122142" cy="3751220"/>
+          </a:xfrm>
+        </p:spPr>
+        <p:txBody>
+          <a:bodyPr>
+            <a:normAutofit/>
+          </a:bodyPr>
+          <a:lstStyle/>
+          <a:p>
+            <a:r>
+              <a:rPr lang="en-US" dirty="0" smtClean="0"/>
+              <a:t>Grid Based String Comparison</a:t>
+            </a:r>
+            <a:endParaRPr lang="en-US" dirty="0" smtClean="0">
+              <a:solidFill>
+                <a:schemeClr val="accent1"/>
+              </a:solidFill>
+            </a:endParaRPr>
+          </a:p>
+          <a:p>
+            <a:pPr marL="800100" lvl="1" indent="-342900">
+              <a:buFont typeface="+mj-lt"/>
+              <a:buAutoNum type="arabicPeriod"/>
+            </a:pPr>
+            <a:r>
+              <a:rPr lang="en-US" dirty="0" smtClean="0"/>
+              <a:t>The algorithm assigns ASCII values to each string</a:t>
+            </a:r>
+          </a:p>
+          <a:p>
+            <a:pPr marL="800100" lvl="1" indent="-342900">
+              <a:buFont typeface="+mj-lt"/>
+              <a:buAutoNum type="arabicPeriod"/>
+            </a:pPr>
+            <a:r>
+              <a:rPr lang="en-US" dirty="0"/>
+              <a:t> </a:t>
+            </a:r>
+            <a:r>
+              <a:rPr lang="en-US" dirty="0" smtClean="0"/>
+              <a:t>Loops through the grid comparing adjoining grids</a:t>
+            </a:r>
+          </a:p>
+          <a:p>
+            <a:pPr marL="800100" lvl="1" indent="-342900">
+              <a:buFont typeface="+mj-lt"/>
+              <a:buAutoNum type="arabicPeriod"/>
+            </a:pPr>
+            <a:r>
+              <a:rPr lang="en-US" dirty="0" smtClean="0"/>
+              <a:t>Assigns separate values  for string values that match and mismatch</a:t>
+            </a:r>
+          </a:p>
+          <a:p>
+            <a:pPr marL="800100" lvl="1" indent="-342900">
+              <a:buFont typeface="+mj-lt"/>
+              <a:buAutoNum type="arabicPeriod"/>
+            </a:pPr>
+            <a:r>
+              <a:rPr lang="en-US" dirty="0" smtClean="0"/>
+              <a:t>If algorithm recognizing gap in sequence – gap penalty is assigned</a:t>
+            </a:r>
+          </a:p>
+          <a:p>
+            <a:pPr marL="800100" lvl="1" indent="-342900">
+              <a:buFont typeface="+mj-lt"/>
+              <a:buAutoNum type="arabicPeriod"/>
+            </a:pPr>
+            <a:r>
+              <a:rPr lang="en-US" dirty="0" smtClean="0"/>
+              <a:t>This assigns data to the grid</a:t>
+            </a:r>
+          </a:p>
+          <a:p>
+            <a:pPr marL="800100" lvl="1" indent="-342900">
+              <a:buFont typeface="+mj-lt"/>
+              <a:buAutoNum type="arabicPeriod"/>
+            </a:pPr>
+            <a:r>
+              <a:rPr lang="en-US" dirty="0" smtClean="0"/>
+              <a:t>Then through recursion the alignment is traced back through grid</a:t>
+            </a:r>
+          </a:p>
+          <a:p>
+            <a:pPr marL="800100" lvl="1" indent="-342900">
+              <a:buFont typeface="+mj-lt"/>
+              <a:buAutoNum type="arabicPeriod"/>
+            </a:pPr>
+            <a:r>
+              <a:rPr lang="en-US" dirty="0" smtClean="0"/>
+              <a:t>Resulting max separation value in the lower right corner of the grid</a:t>
+            </a:r>
+          </a:p>
+          <a:p>
+            <a:pPr marL="800100" lvl="1" indent="-342900">
+              <a:buFont typeface="+mj-lt"/>
+              <a:buAutoNum type="arabicPeriod"/>
+            </a:pPr>
+            <a:endParaRPr lang="en-US" dirty="0" smtClean="0"/>
+          </a:p>
+          <a:p>
+            <a:pPr marL="857250" lvl="2" indent="0">
+              <a:buNone/>
+            </a:pPr>
+            <a:endParaRPr lang="en-US" dirty="0" smtClean="0"/>
+          </a:p>
+          <a:p>
+            <a:pPr marL="3714750" lvl="8" indent="0">
+              <a:buNone/>
+            </a:pPr>
+            <a:endParaRPr lang="en-US" strike="dblStrike" dirty="0" smtClean="0"/>
+          </a:p>
+        </p:txBody>
+      </p:sp>
+    </p:spTree>
+    <p:extLst>
+      <p:ext uri="{BB962C8B-B14F-4D97-AF65-F5344CB8AC3E}">
+        <p14:creationId xmlns:p14="http://schemas.microsoft.com/office/powerpoint/2010/main" val="2498370072"/>
+      </p:ext>
+    </p:extLst>
+  </p:cSld>
+  <p:clrMapOvr>
+    <a:masterClrMapping/>
+  </p:clrMapOvr>
+  <p:transition spd="slow">
+    <p:push dir="u"/>
+  </p:transition>
+  <p:timing>
+    <p:tnLst>
+      <p:par>
+        <p:cTn id="1" dur="indefinite" restart="never" nodeType="tmRoot">
+          <p:childTnLst>
+            <p:seq concurrent="1" nextAc="seek">
+              <p:cTn id="2" dur="indefinite" nodeType="mainSeq">
+                <p:childTnLst>
+                  <p:par>
+                    <p:cTn id="3" fill="hold">
+                      <p:stCondLst>
+                        <p:cond delay="indefinite"/>
+                      </p:stCondLst>
+                      <p:childTnLst>
+                        <p:par>
+                          <p:cTn id="4" fill="hold">
+                            <p:stCondLst>
+                              <p:cond delay="0"/>
+                            </p:stCondLst>
+                            <p:childTnLst>
+                              <p:par>
+                                <p:cTn id="5" presetID="1" presetClass="entr" presetSubtype="0" fill="hold" nodeType="clickEffect">
+                                  <p:stCondLst>
+                                    <p:cond delay="0"/>
+                                  </p:stCondLst>
+                                  <p:childTnLst>
+                                    <p:set>
+                                      <p:cBhvr>
+                                        <p:cTn id="6" dur="1" fill="hold">
+                                          <p:stCondLst>
+                                            <p:cond delay="0"/>
+                                          </p:stCondLst>
+                                        </p:cTn>
+                                        <p:tgtEl>
+                                          <p:spTgt spid="8">
+                                            <p:txEl>
+                                              <p:pRg st="1" end="1"/>
+                                            </p:txEl>
+                                          </p:spTgt>
+                                        </p:tgtEl>
+                                        <p:attrNameLst>
+                                          <p:attrName>style.visibility</p:attrName>
+                                        </p:attrNameLst>
+                                      </p:cBhvr>
+                                      <p:to>
+                                        <p:strVal val="visible"/>
+                                      </p:to>
+                                    </p:set>
+                                  </p:childTnLst>
+                                </p:cTn>
+                              </p:par>
+                            </p:childTnLst>
+                          </p:cTn>
+                        </p:par>
+                      </p:childTnLst>
+                    </p:cTn>
+                  </p:par>
+                  <p:par>
+                    <p:cTn id="7" fill="hold">
+                      <p:stCondLst>
+                        <p:cond delay="indefinite"/>
+                      </p:stCondLst>
+                      <p:childTnLst>
+                        <p:par>
+                          <p:cTn id="8" fill="hold">
+                            <p:stCondLst>
+                              <p:cond delay="0"/>
+                            </p:stCondLst>
+                            <p:childTnLst>
+                              <p:par>
+                                <p:cTn id="9" presetID="1" presetClass="entr" presetSubtype="0" fill="hold" nodeType="clickEffect">
+                                  <p:stCondLst>
+                                    <p:cond delay="0"/>
+                                  </p:stCondLst>
+                                  <p:childTnLst>
+                                    <p:set>
+                                      <p:cBhvr>
+                                        <p:cTn id="10" dur="1" fill="hold">
+                                          <p:stCondLst>
+                                            <p:cond delay="0"/>
+                                          </p:stCondLst>
+                                        </p:cTn>
+                                        <p:tgtEl>
+                                          <p:spTgt spid="8">
+                                            <p:txEl>
+                                              <p:pRg st="2" end="2"/>
+                                            </p:txEl>
+                                          </p:spTgt>
+                                        </p:tgtEl>
+                                        <p:attrNameLst>
+                                          <p:attrName>style.visibility</p:attrName>
+                                        </p:attrNameLst>
+                                      </p:cBhvr>
+                                      <p:to>
+                                        <p:strVal val="visible"/>
+                                      </p:to>
+                                    </p:set>
+                                  </p:childTnLst>
+                                </p:cTn>
+                              </p:par>
+                            </p:childTnLst>
+                          </p:cTn>
+                        </p:par>
+                      </p:childTnLst>
+                    </p:cTn>
+                  </p:par>
+                  <p:par>
+                    <p:cTn id="11" fill="hold">
+                      <p:stCondLst>
+                        <p:cond delay="indefinite"/>
+                      </p:stCondLst>
+                      <p:childTnLst>
+                        <p:par>
+                          <p:cTn id="12" fill="hold">
+                            <p:stCondLst>
+                              <p:cond delay="0"/>
+                            </p:stCondLst>
+                            <p:childTnLst>
+                              <p:par>
+                                <p:cTn id="13" presetID="1" presetClass="entr" presetSubtype="0" fill="hold" nodeType="clickEffect">
+                                  <p:stCondLst>
+                                    <p:cond delay="0"/>
+                                  </p:stCondLst>
+                                  <p:childTnLst>
+                                    <p:set>
+                                      <p:cBhvr>
+                                        <p:cTn id="14" dur="1" fill="hold">
+                                          <p:stCondLst>
+                                            <p:cond delay="0"/>
+                                          </p:stCondLst>
+                                        </p:cTn>
+                                        <p:tgtEl>
+                                          <p:spTgt spid="8">
+                                            <p:txEl>
+                                              <p:pRg st="3" end="3"/>
+                                            </p:txEl>
+                                          </p:spTgt>
+                                        </p:tgtEl>
+                                        <p:attrNameLst>
+                                          <p:attrName>style.visibility</p:attrName>
+                                        </p:attrNameLst>
+                                      </p:cBhvr>
+                                      <p:to>
+                                        <p:strVal val="visible"/>
+                                      </p:to>
+                                    </p:set>
+                                  </p:childTnLst>
+                                </p:cTn>
+                              </p:par>
+                            </p:childTnLst>
+                          </p:cTn>
+                        </p:par>
+                      </p:childTnLst>
+                    </p:cTn>
+                  </p:par>
+                  <p:par>
+                    <p:cTn id="15" fill="hold">
+                      <p:stCondLst>
+                        <p:cond delay="indefinite"/>
+                      </p:stCondLst>
+                      <p:childTnLst>
+                        <p:par>
+                          <p:cTn id="16" fill="hold">
+                            <p:stCondLst>
+                              <p:cond delay="0"/>
+                            </p:stCondLst>
+                            <p:childTnLst>
+                              <p:par>
+                                <p:cTn id="17" presetID="1" presetClass="entr" presetSubtype="0" fill="hold" nodeType="clickEffect">
+                                  <p:stCondLst>
+                                    <p:cond delay="0"/>
+                                  </p:stCondLst>
+                                  <p:childTnLst>
+                                    <p:set>
+                                      <p:cBhvr>
+                                        <p:cTn id="18" dur="1" fill="hold">
+                                          <p:stCondLst>
+                                            <p:cond delay="0"/>
+                                          </p:stCondLst>
+                                        </p:cTn>
+                                        <p:tgtEl>
+                                          <p:spTgt spid="8">
+                                            <p:txEl>
+                                              <p:pRg st="4" end="4"/>
+                                            </p:txEl>
+                                          </p:spTgt>
+                                        </p:tgtEl>
+                                        <p:attrNameLst>
+                                          <p:attrName>style.visibility</p:attrName>
+                                        </p:attrNameLst>
+                                      </p:cBhvr>
+                                      <p:to>
+                                        <p:strVal val="visible"/>
+                                      </p:to>
+                                    </p:set>
+                                  </p:childTnLst>
+                                </p:cTn>
+                              </p:par>
+                            </p:childTnLst>
+                          </p:cTn>
+                        </p:par>
+                      </p:childTnLst>
+                    </p:cTn>
+                  </p:par>
+                  <p:par>
+                    <p:cTn id="19" fill="hold">
+                      <p:stCondLst>
+                        <p:cond delay="indefinite"/>
+                      </p:stCondLst>
+                      <p:childTnLst>
+                        <p:par>
+                          <p:cTn id="20" fill="hold">
+                            <p:stCondLst>
+                              <p:cond delay="0"/>
+                            </p:stCondLst>
+                            <p:childTnLst>
+                              <p:par>
+                                <p:cTn id="21" presetID="1" presetClass="entr" presetSubtype="0" fill="hold" nodeType="clickEffect">
+                                  <p:stCondLst>
+                                    <p:cond delay="0"/>
+                                  </p:stCondLst>
+                                  <p:childTnLst>
+                                    <p:set>
+                                      <p:cBhvr>
+                                        <p:cTn id="22" dur="1" fill="hold">
+                                          <p:stCondLst>
+                                            <p:cond delay="0"/>
+                                          </p:stCondLst>
+                                        </p:cTn>
+                                        <p:tgtEl>
+                                          <p:spTgt spid="8">
+                                            <p:txEl>
+                                              <p:pRg st="5" end="5"/>
+                                            </p:txEl>
+                                          </p:spTgt>
+                                        </p:tgtEl>
+                                        <p:attrNameLst>
+                                          <p:attrName>style.visibility</p:attrName>
+                                        </p:attrNameLst>
+                                      </p:cBhvr>
+                                      <p:to>
+                                        <p:strVal val="visible"/>
+                                      </p:to>
+                                    </p:set>
+                                  </p:childTnLst>
+                                </p:cTn>
+                              </p:par>
+                            </p:childTnLst>
+                          </p:cTn>
+                        </p:par>
+                      </p:childTnLst>
+                    </p:cTn>
+                  </p:par>
+                  <p:par>
+                    <p:cTn id="23" fill="hold">
+                      <p:stCondLst>
+                        <p:cond delay="indefinite"/>
+                      </p:stCondLst>
+                      <p:childTnLst>
+                        <p:par>
+                          <p:cTn id="24" fill="hold">
+                            <p:stCondLst>
+                              <p:cond delay="0"/>
+                            </p:stCondLst>
+                            <p:childTnLst>
+                              <p:par>
+                                <p:cTn id="25" presetID="1" presetClass="entr" presetSubtype="0" fill="hold" nodeType="clickEffect">
+                                  <p:stCondLst>
+                                    <p:cond delay="0"/>
+                                  </p:stCondLst>
+                                  <p:childTnLst>
+                                    <p:set>
+                                      <p:cBhvr>
+                                        <p:cTn id="26" dur="1" fill="hold">
+                                          <p:stCondLst>
+                                            <p:cond delay="0"/>
+                                          </p:stCondLst>
+                                        </p:cTn>
+                                        <p:tgtEl>
+                                          <p:spTgt spid="8">
+                                            <p:txEl>
+                                              <p:pRg st="6" end="6"/>
+                                            </p:txEl>
+                                          </p:spTgt>
+                                        </p:tgtEl>
+                                        <p:attrNameLst>
+                                          <p:attrName>style.visibility</p:attrName>
+                                        </p:attrNameLst>
+                                      </p:cBhvr>
+                                      <p:to>
+                                        <p:strVal val="visible"/>
+                                      </p:to>
+                                    </p:set>
+                                  </p:childTnLst>
+                                </p:cTn>
+                              </p:par>
+                            </p:childTnLst>
+                          </p:cTn>
+                        </p:par>
+                      </p:childTnLst>
+                    </p:cTn>
+                  </p:par>
+                  <p:par>
+                    <p:cTn id="27" fill="hold">
+                      <p:stCondLst>
+                        <p:cond delay="indefinite"/>
+                      </p:stCondLst>
+                      <p:childTnLst>
+                        <p:par>
+                          <p:cTn id="28" fill="hold">
+                            <p:stCondLst>
+                              <p:cond delay="0"/>
+                            </p:stCondLst>
+                            <p:childTnLst>
+                              <p:par>
+                                <p:cTn id="29" presetID="1" presetClass="entr" presetSubtype="0" fill="hold" nodeType="clickEffect">
+                                  <p:stCondLst>
+                                    <p:cond delay="0"/>
+                                  </p:stCondLst>
+                                  <p:childTnLst>
+                                    <p:set>
+                                      <p:cBhvr>
+                                        <p:cTn id="30" dur="1" fill="hold">
+                                          <p:stCondLst>
+                                            <p:cond delay="0"/>
+                                          </p:stCondLst>
+                                        </p:cTn>
+                                        <p:tgtEl>
+                                          <p:spTgt spid="8">
+                                            <p:txEl>
+                                              <p:pRg st="7" end="7"/>
+                                            </p:txEl>
+                                          </p:spTgt>
+                                        </p:tgtEl>
+                                        <p:attrNameLst>
+                                          <p:attrName>style.visibility</p:attrName>
+                                        </p:attrNameLst>
+                                      </p:cBhvr>
+                                      <p:to>
+                                        <p:strVal val="visible"/>
+                                      </p:to>
+                                    </p:set>
+                                  </p:childTnLst>
+                                </p:cTn>
+                              </p:par>
+                            </p:childTnLst>
+                          </p:cTn>
+                        </p:par>
+                      </p:childTnLst>
+                    </p:cTn>
+                  </p:par>
+                </p:childTnLst>
+              </p:cTn>
+              <p:prevCondLst>
+                <p:cond evt="onPrev" delay="0">
+                  <p:tgtEl>
+                    <p:sldTgt/>
+                  </p:tgtEl>
+                </p:cond>
+              </p:prevCondLst>
+              <p:nextCondLst>
+                <p:cond evt="onNext" delay="0">
+                  <p:tgtEl>
+                    <p:sldTgt/>
+                  </p:tgtEl>
+                </p:cond>
+              </p:nextCondLst>
+            </p:seq>
+          </p:childTnLst>
+        </p:cTn>
+      </p:par>
+    </p:tnLst>
+  </p:timing>
+</p:sld>
+</file>
+
+<file path=ppt/slides/slide5.xml><?xml version="1.0" encoding="utf-8"?>
+<p:sld xmlns:a="http://schemas.openxmlformats.org/drawingml/2006/main" xmlns:r="http://schemas.openxmlformats.org/officeDocument/2006/relationships" xmlns:p="http://schemas.openxmlformats.org/presentationml/2006/main">
+  <p:cSld>
+    <p:spTree>
+      <p:nvGrpSpPr>
+        <p:cNvPr id="1" name=""/>
+        <p:cNvGrpSpPr/>
+        <p:nvPr/>
+      </p:nvGrpSpPr>
+      <p:grpSpPr>
+        <a:xfrm>
+          <a:off x="0" y="0"/>
+          <a:ext cx="0" cy="0"/>
+          <a:chOff x="0" y="0"/>
+          <a:chExt cx="0" cy="0"/>
+        </a:xfrm>
+      </p:grpSpPr>
+      <p:sp>
+        <p:nvSpPr>
+          <p:cNvPr id="2" name="Title 1"/>
+          <p:cNvSpPr>
+            <a:spLocks noGrp="1"/>
+          </p:cNvSpPr>
+          <p:nvPr>
+            <p:ph type="title"/>
+          </p:nvPr>
+        </p:nvSpPr>
+        <p:spPr>
+          <a:xfrm>
+            <a:off x="2106387" y="624110"/>
+            <a:ext cx="9372599" cy="1280890"/>
+          </a:xfrm>
+        </p:spPr>
+        <p:txBody>
+          <a:bodyPr/>
+          <a:lstStyle/>
+          <a:p>
+            <a:r>
+              <a:rPr lang="en-US" dirty="0" smtClean="0"/>
+              <a:t>Time Complexity for Needleman-Wunsch </a:t>
+            </a:r>
+            <a:endParaRPr lang="en-US" dirty="0"/>
+          </a:p>
+        </p:txBody>
+      </p:sp>
+      <p:sp>
+        <p:nvSpPr>
+          <p:cNvPr id="4" name="TextBox 3"/>
+          <p:cNvSpPr txBox="1"/>
+          <p:nvPr/>
+        </p:nvSpPr>
+        <p:spPr>
+          <a:xfrm>
+            <a:off x="4546601" y="5964584"/>
+            <a:ext cx="3937000" cy="369332"/>
+          </a:xfrm>
+          <a:prstGeom prst="rect">
+            <a:avLst/>
+          </a:prstGeom>
+          <a:noFill/>
+        </p:spPr>
+        <p:txBody>
+          <a:bodyPr wrap="square" rtlCol="0">
+            <a:spAutoFit/>
+          </a:bodyPr>
+          <a:lstStyle/>
+          <a:p>
+            <a:r>
+              <a:rPr lang="en-US" dirty="0" smtClean="0"/>
+              <a:t>Using the Emily Dickinson Poem</a:t>
+            </a:r>
+            <a:endParaRPr lang="en-US" dirty="0"/>
+          </a:p>
+        </p:txBody>
+      </p:sp>
+      <p:graphicFrame>
+        <p:nvGraphicFramePr>
+          <p:cNvPr id="5" name="Chart 4"/>
+          <p:cNvGraphicFramePr>
+            <a:graphicFrameLocks/>
+          </p:cNvGraphicFramePr>
+          <p:nvPr>
+            <p:extLst>
+              <p:ext uri="{D42A27DB-BD31-4B8C-83A1-F6EECF244321}">
+                <p14:modId xmlns:p14="http://schemas.microsoft.com/office/powerpoint/2010/main" val="3089838952"/>
+              </p:ext>
+            </p:extLst>
+          </p:nvPr>
+        </p:nvGraphicFramePr>
+        <p:xfrm>
+          <a:off x="2530929" y="1306285"/>
+          <a:ext cx="8180614" cy="4430483"/>
+        </p:xfrm>
+        <a:graphic>
+          <a:graphicData uri="http://schemas.openxmlformats.org/drawingml/2006/chart">
+            <c:chart xmlns:c="http://schemas.openxmlformats.org/drawingml/2006/chart" xmlns:r="http://schemas.openxmlformats.org/officeDocument/2006/relationships" r:id="rId2"/>
+          </a:graphicData>
+        </a:graphic>
+      </p:graphicFrame>
+    </p:spTree>
+    <p:extLst>
+      <p:ext uri="{BB962C8B-B14F-4D97-AF65-F5344CB8AC3E}">
+        <p14:creationId xmlns:p14="http://schemas.microsoft.com/office/powerpoint/2010/main" val="1697689276"/>
+      </p:ext>
+    </p:extLst>
+  </p:cSld>
+  <p:clrMapOvr>
+    <a:masterClrMapping/>
+  </p:clrMapOvr>
+  <p:transition spd="slow">
+    <p:push dir="u"/>
+  </p:transition>
+  <p:timing>
+    <p:tnLst>
+      <p:par>
+        <p:cTn id="1" dur="indefinite" restart="never" nodeType="tmRoot"/>
+      </p:par>
+    </p:tnLst>
+  </p:timing>
+</p:sld>
+</file>
+
+<file path=ppt/slides/slide6.xml><?xml version="1.0" encoding="utf-8"?>
+<p:sld xmlns:a="http://schemas.openxmlformats.org/drawingml/2006/main" xmlns:r="http://schemas.openxmlformats.org/officeDocument/2006/relationships" xmlns:p="http://schemas.openxmlformats.org/presentationml/2006/main">
+  <p:cSld>
+    <p:spTree>
+      <p:nvGrpSpPr>
+        <p:cNvPr id="1" name=""/>
+        <p:cNvGrpSpPr/>
+        <p:nvPr/>
+      </p:nvGrpSpPr>
+      <p:grpSpPr>
+        <a:xfrm>
+          <a:off x="0" y="0"/>
+          <a:ext cx="0" cy="0"/>
+          <a:chOff x="0" y="0"/>
+          <a:chExt cx="0" cy="0"/>
+        </a:xfrm>
+      </p:grpSpPr>
+      <p:sp>
+        <p:nvSpPr>
+          <p:cNvPr id="7" name="Title 6"/>
+          <p:cNvSpPr>
+            <a:spLocks noGrp="1"/>
+          </p:cNvSpPr>
+          <p:nvPr>
+            <p:ph type="title"/>
+          </p:nvPr>
+        </p:nvSpPr>
+        <p:spPr/>
+        <p:txBody>
+          <a:bodyPr/>
+          <a:lstStyle/>
+          <a:p>
+            <a:r>
               <a:rPr lang="en-US" dirty="0" err="1" smtClean="0"/>
               <a:t>Jaro</a:t>
             </a:r>
@@ -16515,7 +17201,7 @@
 </p:sld>
 </file>
 
-<file path=ppt/slides/slide5.xml><?xml version="1.0" encoding="utf-8"?>
+<file path=ppt/slides/slide7.xml><?xml version="1.0" encoding="utf-8"?>
 <p:sld xmlns:a="http://schemas.openxmlformats.org/drawingml/2006/main" xmlns:r="http://schemas.openxmlformats.org/officeDocument/2006/relationships" xmlns:p="http://schemas.openxmlformats.org/presentationml/2006/main">
   <p:cSld>
     <p:spTree>
@@ -16656,7 +17342,7 @@
 </p:sld>
 </file>
 
-<file path=ppt/slides/slide6.xml><?xml version="1.0" encoding="utf-8"?>
+<file path=ppt/slides/slide8.xml><?xml version="1.0" encoding="utf-8"?>
 <p:sld xmlns:a="http://schemas.openxmlformats.org/drawingml/2006/main" xmlns:r="http://schemas.openxmlformats.org/officeDocument/2006/relationships" xmlns:p="http://schemas.openxmlformats.org/presentationml/2006/main">
   <p:cSld>
     <p:spTree>
@@ -18267,7 +18953,7 @@
 </p:sld>
 </file>
 
-<file path=ppt/slides/slide7.xml><?xml version="1.0" encoding="utf-8"?>
+<file path=ppt/slides/slide9.xml><?xml version="1.0" encoding="utf-8"?>
 <p:sld xmlns:a="http://schemas.openxmlformats.org/drawingml/2006/main" xmlns:r="http://schemas.openxmlformats.org/officeDocument/2006/relationships" xmlns:p="http://schemas.openxmlformats.org/presentationml/2006/main">
   <p:cSld>
     <p:spTree>
@@ -18365,692 +19051,6 @@
     <p:extLst>
       <p:ext uri="{BB962C8B-B14F-4D97-AF65-F5344CB8AC3E}">
         <p14:creationId xmlns:p14="http://schemas.microsoft.com/office/powerpoint/2010/main" val="833811644"/>
-      </p:ext>
-    </p:extLst>
-  </p:cSld>
-  <p:clrMapOvr>
-    <a:masterClrMapping/>
-  </p:clrMapOvr>
-  <p:transition spd="slow">
-    <p:push dir="u"/>
-  </p:transition>
-  <p:timing>
-    <p:tnLst>
-      <p:par>
-        <p:cTn id="1" dur="indefinite" restart="never" nodeType="tmRoot"/>
-      </p:par>
-    </p:tnLst>
-  </p:timing>
-</p:sld>
-</file>
-
-<file path=ppt/slides/slide8.xml><?xml version="1.0" encoding="utf-8"?>
-<p:sld xmlns:a="http://schemas.openxmlformats.org/drawingml/2006/main" xmlns:r="http://schemas.openxmlformats.org/officeDocument/2006/relationships" xmlns:p="http://schemas.openxmlformats.org/presentationml/2006/main">
-  <p:cSld>
-    <p:spTree>
-      <p:nvGrpSpPr>
-        <p:cNvPr id="1" name=""/>
-        <p:cNvGrpSpPr/>
-        <p:nvPr/>
-      </p:nvGrpSpPr>
-      <p:grpSpPr>
-        <a:xfrm>
-          <a:off x="0" y="0"/>
-          <a:ext cx="0" cy="0"/>
-          <a:chOff x="0" y="0"/>
-          <a:chExt cx="0" cy="0"/>
-        </a:xfrm>
-      </p:grpSpPr>
-      <p:sp>
-        <p:nvSpPr>
-          <p:cNvPr id="7" name="Title 6"/>
-          <p:cNvSpPr>
-            <a:spLocks noGrp="1"/>
-          </p:cNvSpPr>
-          <p:nvPr>
-            <p:ph type="title"/>
-          </p:nvPr>
-        </p:nvSpPr>
-        <p:spPr/>
-        <p:txBody>
-          <a:bodyPr/>
-          <a:lstStyle/>
-          <a:p>
-            <a:r>
-              <a:rPr lang="en-US" dirty="0" smtClean="0"/>
-              <a:t>Needleman-</a:t>
-            </a:r>
-            <a:r>
-              <a:rPr lang="en-US" dirty="0" err="1" smtClean="0"/>
-              <a:t>Wunsch</a:t>
-            </a:r>
-            <a:r>
-              <a:rPr lang="en-US" dirty="0" smtClean="0"/>
-              <a:t> Algorithm</a:t>
-            </a:r>
-            <a:endParaRPr lang="en-US" dirty="0"/>
-          </a:p>
-        </p:txBody>
-      </p:sp>
-      <p:sp>
-        <p:nvSpPr>
-          <p:cNvPr id="8" name="Content Placeholder 7"/>
-          <p:cNvSpPr>
-            <a:spLocks noGrp="1"/>
-          </p:cNvSpPr>
-          <p:nvPr>
-            <p:ph idx="1"/>
-          </p:nvPr>
-        </p:nvSpPr>
-        <p:spPr>
-          <a:xfrm>
-            <a:off x="2589212" y="2614411"/>
-            <a:ext cx="9122142" cy="3751220"/>
-          </a:xfrm>
-        </p:spPr>
-        <p:txBody>
-          <a:bodyPr>
-            <a:normAutofit/>
-          </a:bodyPr>
-          <a:lstStyle/>
-          <a:p>
-            <a:r>
-              <a:rPr lang="en-US" dirty="0" smtClean="0"/>
-              <a:t>Grid Based String Comparison</a:t>
-            </a:r>
-            <a:endParaRPr lang="en-US" dirty="0" smtClean="0">
-              <a:solidFill>
-                <a:schemeClr val="accent1"/>
-              </a:solidFill>
-            </a:endParaRPr>
-          </a:p>
-          <a:p>
-            <a:pPr marL="800100" lvl="1" indent="-342900">
-              <a:buFont typeface="+mj-lt"/>
-              <a:buAutoNum type="arabicPeriod"/>
-            </a:pPr>
-            <a:r>
-              <a:rPr lang="en-US" dirty="0" smtClean="0"/>
-              <a:t>The algorithm assigns ASCII values to each string</a:t>
-            </a:r>
-          </a:p>
-          <a:p>
-            <a:pPr marL="800100" lvl="1" indent="-342900">
-              <a:buFont typeface="+mj-lt"/>
-              <a:buAutoNum type="arabicPeriod"/>
-            </a:pPr>
-            <a:r>
-              <a:rPr lang="en-US" dirty="0"/>
-              <a:t> </a:t>
-            </a:r>
-            <a:r>
-              <a:rPr lang="en-US" dirty="0" smtClean="0"/>
-              <a:t>Loops through the grid comparing adjoining grids</a:t>
-            </a:r>
-          </a:p>
-          <a:p>
-            <a:pPr marL="800100" lvl="1" indent="-342900">
-              <a:buFont typeface="+mj-lt"/>
-              <a:buAutoNum type="arabicPeriod"/>
-            </a:pPr>
-            <a:r>
-              <a:rPr lang="en-US" dirty="0" smtClean="0"/>
-              <a:t>Assigns separate values  for string values that match and mismatch</a:t>
-            </a:r>
-          </a:p>
-          <a:p>
-            <a:pPr marL="800100" lvl="1" indent="-342900">
-              <a:buFont typeface="+mj-lt"/>
-              <a:buAutoNum type="arabicPeriod"/>
-            </a:pPr>
-            <a:r>
-              <a:rPr lang="en-US" dirty="0" smtClean="0"/>
-              <a:t>If algorithm recognizing gap in sequence – gap penalty is assigned</a:t>
-            </a:r>
-          </a:p>
-          <a:p>
-            <a:pPr marL="800100" lvl="1" indent="-342900">
-              <a:buFont typeface="+mj-lt"/>
-              <a:buAutoNum type="arabicPeriod"/>
-            </a:pPr>
-            <a:r>
-              <a:rPr lang="en-US" dirty="0" smtClean="0"/>
-              <a:t>This assigns data to the grid</a:t>
-            </a:r>
-          </a:p>
-          <a:p>
-            <a:pPr marL="800100" lvl="1" indent="-342900">
-              <a:buFont typeface="+mj-lt"/>
-              <a:buAutoNum type="arabicPeriod"/>
-            </a:pPr>
-            <a:r>
-              <a:rPr lang="en-US" dirty="0" smtClean="0"/>
-              <a:t>Then through recursion the alignment is traced back through grid</a:t>
-            </a:r>
-          </a:p>
-          <a:p>
-            <a:pPr marL="800100" lvl="1" indent="-342900">
-              <a:buFont typeface="+mj-lt"/>
-              <a:buAutoNum type="arabicPeriod"/>
-            </a:pPr>
-            <a:r>
-              <a:rPr lang="en-US" dirty="0" smtClean="0"/>
-              <a:t>Resulting max separation value in the lower right corner of the grid</a:t>
-            </a:r>
-          </a:p>
-          <a:p>
-            <a:pPr marL="800100" lvl="1" indent="-342900">
-              <a:buFont typeface="+mj-lt"/>
-              <a:buAutoNum type="arabicPeriod"/>
-            </a:pPr>
-            <a:endParaRPr lang="en-US" dirty="0" smtClean="0"/>
-          </a:p>
-          <a:p>
-            <a:pPr marL="857250" lvl="2" indent="0">
-              <a:buNone/>
-            </a:pPr>
-            <a:endParaRPr lang="en-US" dirty="0" smtClean="0"/>
-          </a:p>
-          <a:p>
-            <a:pPr marL="3714750" lvl="8" indent="0">
-              <a:buNone/>
-            </a:pPr>
-            <a:endParaRPr lang="en-US" strike="dblStrike" dirty="0" smtClean="0"/>
-          </a:p>
-        </p:txBody>
-      </p:sp>
-    </p:spTree>
-    <p:extLst>
-      <p:ext uri="{BB962C8B-B14F-4D97-AF65-F5344CB8AC3E}">
-        <p14:creationId xmlns:p14="http://schemas.microsoft.com/office/powerpoint/2010/main" val="2498370072"/>
-      </p:ext>
-    </p:extLst>
-  </p:cSld>
-  <p:clrMapOvr>
-    <a:masterClrMapping/>
-  </p:clrMapOvr>
-  <p:transition spd="slow">
-    <p:push dir="u"/>
-  </p:transition>
-  <p:timing>
-    <p:tnLst>
-      <p:par>
-        <p:cTn id="1" dur="indefinite" restart="never" nodeType="tmRoot">
-          <p:childTnLst>
-            <p:seq concurrent="1" nextAc="seek">
-              <p:cTn id="2" dur="indefinite" nodeType="mainSeq">
-                <p:childTnLst>
-                  <p:par>
-                    <p:cTn id="3" fill="hold">
-                      <p:stCondLst>
-                        <p:cond delay="indefinite"/>
-                      </p:stCondLst>
-                      <p:childTnLst>
-                        <p:par>
-                          <p:cTn id="4" fill="hold">
-                            <p:stCondLst>
-                              <p:cond delay="0"/>
-                            </p:stCondLst>
-                            <p:childTnLst>
-                              <p:par>
-                                <p:cTn id="5" presetID="1" presetClass="entr" presetSubtype="0" fill="hold" nodeType="clickEffect">
-                                  <p:stCondLst>
-                                    <p:cond delay="0"/>
-                                  </p:stCondLst>
-                                  <p:childTnLst>
-                                    <p:set>
-                                      <p:cBhvr>
-                                        <p:cTn id="6" dur="1" fill="hold">
-                                          <p:stCondLst>
-                                            <p:cond delay="0"/>
-                                          </p:stCondLst>
-                                        </p:cTn>
-                                        <p:tgtEl>
-                                          <p:spTgt spid="8">
-                                            <p:txEl>
-                                              <p:pRg st="1" end="1"/>
-                                            </p:txEl>
-                                          </p:spTgt>
-                                        </p:tgtEl>
-                                        <p:attrNameLst>
-                                          <p:attrName>style.visibility</p:attrName>
-                                        </p:attrNameLst>
-                                      </p:cBhvr>
-                                      <p:to>
-                                        <p:strVal val="visible"/>
-                                      </p:to>
-                                    </p:set>
-                                  </p:childTnLst>
-                                </p:cTn>
-                              </p:par>
-                            </p:childTnLst>
-                          </p:cTn>
-                        </p:par>
-                      </p:childTnLst>
-                    </p:cTn>
-                  </p:par>
-                  <p:par>
-                    <p:cTn id="7" fill="hold">
-                      <p:stCondLst>
-                        <p:cond delay="indefinite"/>
-                      </p:stCondLst>
-                      <p:childTnLst>
-                        <p:par>
-                          <p:cTn id="8" fill="hold">
-                            <p:stCondLst>
-                              <p:cond delay="0"/>
-                            </p:stCondLst>
-                            <p:childTnLst>
-                              <p:par>
-                                <p:cTn id="9" presetID="1" presetClass="entr" presetSubtype="0" fill="hold" nodeType="clickEffect">
-                                  <p:stCondLst>
-                                    <p:cond delay="0"/>
-                                  </p:stCondLst>
-                                  <p:childTnLst>
-                                    <p:set>
-                                      <p:cBhvr>
-                                        <p:cTn id="10" dur="1" fill="hold">
-                                          <p:stCondLst>
-                                            <p:cond delay="0"/>
-                                          </p:stCondLst>
-                                        </p:cTn>
-                                        <p:tgtEl>
-                                          <p:spTgt spid="8">
-                                            <p:txEl>
-                                              <p:pRg st="2" end="2"/>
-                                            </p:txEl>
-                                          </p:spTgt>
-                                        </p:tgtEl>
-                                        <p:attrNameLst>
-                                          <p:attrName>style.visibility</p:attrName>
-                                        </p:attrNameLst>
-                                      </p:cBhvr>
-                                      <p:to>
-                                        <p:strVal val="visible"/>
-                                      </p:to>
-                                    </p:set>
-                                  </p:childTnLst>
-                                </p:cTn>
-                              </p:par>
-                            </p:childTnLst>
-                          </p:cTn>
-                        </p:par>
-                      </p:childTnLst>
-                    </p:cTn>
-                  </p:par>
-                  <p:par>
-                    <p:cTn id="11" fill="hold">
-                      <p:stCondLst>
-                        <p:cond delay="indefinite"/>
-                      </p:stCondLst>
-                      <p:childTnLst>
-                        <p:par>
-                          <p:cTn id="12" fill="hold">
-                            <p:stCondLst>
-                              <p:cond delay="0"/>
-                            </p:stCondLst>
-                            <p:childTnLst>
-                              <p:par>
-                                <p:cTn id="13" presetID="1" presetClass="entr" presetSubtype="0" fill="hold" nodeType="clickEffect">
-                                  <p:stCondLst>
-                                    <p:cond delay="0"/>
-                                  </p:stCondLst>
-                                  <p:childTnLst>
-                                    <p:set>
-                                      <p:cBhvr>
-                                        <p:cTn id="14" dur="1" fill="hold">
-                                          <p:stCondLst>
-                                            <p:cond delay="0"/>
-                                          </p:stCondLst>
-                                        </p:cTn>
-                                        <p:tgtEl>
-                                          <p:spTgt spid="8">
-                                            <p:txEl>
-                                              <p:pRg st="3" end="3"/>
-                                            </p:txEl>
-                                          </p:spTgt>
-                                        </p:tgtEl>
-                                        <p:attrNameLst>
-                                          <p:attrName>style.visibility</p:attrName>
-                                        </p:attrNameLst>
-                                      </p:cBhvr>
-                                      <p:to>
-                                        <p:strVal val="visible"/>
-                                      </p:to>
-                                    </p:set>
-                                  </p:childTnLst>
-                                </p:cTn>
-                              </p:par>
-                            </p:childTnLst>
-                          </p:cTn>
-                        </p:par>
-                      </p:childTnLst>
-                    </p:cTn>
-                  </p:par>
-                  <p:par>
-                    <p:cTn id="15" fill="hold">
-                      <p:stCondLst>
-                        <p:cond delay="indefinite"/>
-                      </p:stCondLst>
-                      <p:childTnLst>
-                        <p:par>
-                          <p:cTn id="16" fill="hold">
-                            <p:stCondLst>
-                              <p:cond delay="0"/>
-                            </p:stCondLst>
-                            <p:childTnLst>
-                              <p:par>
-                                <p:cTn id="17" presetID="1" presetClass="entr" presetSubtype="0" fill="hold" nodeType="clickEffect">
-                                  <p:stCondLst>
-                                    <p:cond delay="0"/>
-                                  </p:stCondLst>
-                                  <p:childTnLst>
-                                    <p:set>
-                                      <p:cBhvr>
-                                        <p:cTn id="18" dur="1" fill="hold">
-                                          <p:stCondLst>
-                                            <p:cond delay="0"/>
-                                          </p:stCondLst>
-                                        </p:cTn>
-                                        <p:tgtEl>
-                                          <p:spTgt spid="8">
-                                            <p:txEl>
-                                              <p:pRg st="4" end="4"/>
-                                            </p:txEl>
-                                          </p:spTgt>
-                                        </p:tgtEl>
-                                        <p:attrNameLst>
-                                          <p:attrName>style.visibility</p:attrName>
-                                        </p:attrNameLst>
-                                      </p:cBhvr>
-                                      <p:to>
-                                        <p:strVal val="visible"/>
-                                      </p:to>
-                                    </p:set>
-                                  </p:childTnLst>
-                                </p:cTn>
-                              </p:par>
-                            </p:childTnLst>
-                          </p:cTn>
-                        </p:par>
-                      </p:childTnLst>
-                    </p:cTn>
-                  </p:par>
-                  <p:par>
-                    <p:cTn id="19" fill="hold">
-                      <p:stCondLst>
-                        <p:cond delay="indefinite"/>
-                      </p:stCondLst>
-                      <p:childTnLst>
-                        <p:par>
-                          <p:cTn id="20" fill="hold">
-                            <p:stCondLst>
-                              <p:cond delay="0"/>
-                            </p:stCondLst>
-                            <p:childTnLst>
-                              <p:par>
-                                <p:cTn id="21" presetID="1" presetClass="entr" presetSubtype="0" fill="hold" nodeType="clickEffect">
-                                  <p:stCondLst>
-                                    <p:cond delay="0"/>
-                                  </p:stCondLst>
-                                  <p:childTnLst>
-                                    <p:set>
-                                      <p:cBhvr>
-                                        <p:cTn id="22" dur="1" fill="hold">
-                                          <p:stCondLst>
-                                            <p:cond delay="0"/>
-                                          </p:stCondLst>
-                                        </p:cTn>
-                                        <p:tgtEl>
-                                          <p:spTgt spid="8">
-                                            <p:txEl>
-                                              <p:pRg st="5" end="5"/>
-                                            </p:txEl>
-                                          </p:spTgt>
-                                        </p:tgtEl>
-                                        <p:attrNameLst>
-                                          <p:attrName>style.visibility</p:attrName>
-                                        </p:attrNameLst>
-                                      </p:cBhvr>
-                                      <p:to>
-                                        <p:strVal val="visible"/>
-                                      </p:to>
-                                    </p:set>
-                                  </p:childTnLst>
-                                </p:cTn>
-                              </p:par>
-                            </p:childTnLst>
-                          </p:cTn>
-                        </p:par>
-                      </p:childTnLst>
-                    </p:cTn>
-                  </p:par>
-                  <p:par>
-                    <p:cTn id="23" fill="hold">
-                      <p:stCondLst>
-                        <p:cond delay="indefinite"/>
-                      </p:stCondLst>
-                      <p:childTnLst>
-                        <p:par>
-                          <p:cTn id="24" fill="hold">
-                            <p:stCondLst>
-                              <p:cond delay="0"/>
-                            </p:stCondLst>
-                            <p:childTnLst>
-                              <p:par>
-                                <p:cTn id="25" presetID="1" presetClass="entr" presetSubtype="0" fill="hold" nodeType="clickEffect">
-                                  <p:stCondLst>
-                                    <p:cond delay="0"/>
-                                  </p:stCondLst>
-                                  <p:childTnLst>
-                                    <p:set>
-                                      <p:cBhvr>
-                                        <p:cTn id="26" dur="1" fill="hold">
-                                          <p:stCondLst>
-                                            <p:cond delay="0"/>
-                                          </p:stCondLst>
-                                        </p:cTn>
-                                        <p:tgtEl>
-                                          <p:spTgt spid="8">
-                                            <p:txEl>
-                                              <p:pRg st="6" end="6"/>
-                                            </p:txEl>
-                                          </p:spTgt>
-                                        </p:tgtEl>
-                                        <p:attrNameLst>
-                                          <p:attrName>style.visibility</p:attrName>
-                                        </p:attrNameLst>
-                                      </p:cBhvr>
-                                      <p:to>
-                                        <p:strVal val="visible"/>
-                                      </p:to>
-                                    </p:set>
-                                  </p:childTnLst>
-                                </p:cTn>
-                              </p:par>
-                            </p:childTnLst>
-                          </p:cTn>
-                        </p:par>
-                      </p:childTnLst>
-                    </p:cTn>
-                  </p:par>
-                  <p:par>
-                    <p:cTn id="27" fill="hold">
-                      <p:stCondLst>
-                        <p:cond delay="indefinite"/>
-                      </p:stCondLst>
-                      <p:childTnLst>
-                        <p:par>
-                          <p:cTn id="28" fill="hold">
-                            <p:stCondLst>
-                              <p:cond delay="0"/>
-                            </p:stCondLst>
-                            <p:childTnLst>
-                              <p:par>
-                                <p:cTn id="29" presetID="1" presetClass="entr" presetSubtype="0" fill="hold" nodeType="clickEffect">
-                                  <p:stCondLst>
-                                    <p:cond delay="0"/>
-                                  </p:stCondLst>
-                                  <p:childTnLst>
-                                    <p:set>
-                                      <p:cBhvr>
-                                        <p:cTn id="30" dur="1" fill="hold">
-                                          <p:stCondLst>
-                                            <p:cond delay="0"/>
-                                          </p:stCondLst>
-                                        </p:cTn>
-                                        <p:tgtEl>
-                                          <p:spTgt spid="8">
-                                            <p:txEl>
-                                              <p:pRg st="7" end="7"/>
-                                            </p:txEl>
-                                          </p:spTgt>
-                                        </p:tgtEl>
-                                        <p:attrNameLst>
-                                          <p:attrName>style.visibility</p:attrName>
-                                        </p:attrNameLst>
-                                      </p:cBhvr>
-                                      <p:to>
-                                        <p:strVal val="visible"/>
-                                      </p:to>
-                                    </p:set>
-                                  </p:childTnLst>
-                                </p:cTn>
-                              </p:par>
-                            </p:childTnLst>
-                          </p:cTn>
-                        </p:par>
-                      </p:childTnLst>
-                    </p:cTn>
-                  </p:par>
-                </p:childTnLst>
-              </p:cTn>
-              <p:prevCondLst>
-                <p:cond evt="onPrev" delay="0">
-                  <p:tgtEl>
-                    <p:sldTgt/>
-                  </p:tgtEl>
-                </p:cond>
-              </p:prevCondLst>
-              <p:nextCondLst>
-                <p:cond evt="onNext" delay="0">
-                  <p:tgtEl>
-                    <p:sldTgt/>
-                  </p:tgtEl>
-                </p:cond>
-              </p:nextCondLst>
-            </p:seq>
-          </p:childTnLst>
-        </p:cTn>
-      </p:par>
-    </p:tnLst>
-  </p:timing>
-</p:sld>
-</file>
-
-<file path=ppt/slides/slide9.xml><?xml version="1.0" encoding="utf-8"?>
-<p:sld xmlns:a="http://schemas.openxmlformats.org/drawingml/2006/main" xmlns:r="http://schemas.openxmlformats.org/officeDocument/2006/relationships" xmlns:p="http://schemas.openxmlformats.org/presentationml/2006/main">
-  <p:cSld>
-    <p:spTree>
-      <p:nvGrpSpPr>
-        <p:cNvPr id="1" name=""/>
-        <p:cNvGrpSpPr/>
-        <p:nvPr/>
-      </p:nvGrpSpPr>
-      <p:grpSpPr>
-        <a:xfrm>
-          <a:off x="0" y="0"/>
-          <a:ext cx="0" cy="0"/>
-          <a:chOff x="0" y="0"/>
-          <a:chExt cx="0" cy="0"/>
-        </a:xfrm>
-      </p:grpSpPr>
-      <p:sp>
-        <p:nvSpPr>
-          <p:cNvPr id="2" name="Title 1"/>
-          <p:cNvSpPr>
-            <a:spLocks noGrp="1"/>
-          </p:cNvSpPr>
-          <p:nvPr>
-            <p:ph type="title"/>
-          </p:nvPr>
-        </p:nvSpPr>
-        <p:spPr>
-          <a:xfrm>
-            <a:off x="2106387" y="624110"/>
-            <a:ext cx="9372599" cy="1280890"/>
-          </a:xfrm>
-        </p:spPr>
-        <p:txBody>
-          <a:bodyPr/>
-          <a:lstStyle/>
-          <a:p>
-            <a:r>
-              <a:rPr lang="en-US" dirty="0" smtClean="0"/>
-              <a:t>Time Complexity for Needleman-Wunsch </a:t>
-            </a:r>
-            <a:endParaRPr lang="en-US" dirty="0"/>
-          </a:p>
-        </p:txBody>
-      </p:sp>
-      <p:sp>
-        <p:nvSpPr>
-          <p:cNvPr id="4" name="TextBox 3"/>
-          <p:cNvSpPr txBox="1"/>
-          <p:nvPr/>
-        </p:nvSpPr>
-        <p:spPr>
-          <a:xfrm>
-            <a:off x="4546601" y="5964584"/>
-            <a:ext cx="3937000" cy="369332"/>
-          </a:xfrm>
-          <a:prstGeom prst="rect">
-            <a:avLst/>
-          </a:prstGeom>
-          <a:noFill/>
-        </p:spPr>
-        <p:txBody>
-          <a:bodyPr wrap="square" rtlCol="0">
-            <a:spAutoFit/>
-          </a:bodyPr>
-          <a:lstStyle/>
-          <a:p>
-            <a:r>
-              <a:rPr lang="en-US" dirty="0" smtClean="0"/>
-              <a:t>Using the Emily Dickinson Poem</a:t>
-            </a:r>
-            <a:endParaRPr lang="en-US" dirty="0"/>
-          </a:p>
-        </p:txBody>
-      </p:sp>
-      <p:graphicFrame>
-        <p:nvGraphicFramePr>
-          <p:cNvPr id="5" name="Chart 4"/>
-          <p:cNvGraphicFramePr>
-            <a:graphicFrameLocks/>
-          </p:cNvGraphicFramePr>
-          <p:nvPr>
-            <p:extLst>
-              <p:ext uri="{D42A27DB-BD31-4B8C-83A1-F6EECF244321}">
-                <p14:modId xmlns:p14="http://schemas.microsoft.com/office/powerpoint/2010/main" val="3089838952"/>
-              </p:ext>
-            </p:extLst>
-          </p:nvPr>
-        </p:nvGraphicFramePr>
-        <p:xfrm>
-          <a:off x="2530929" y="1306285"/>
-          <a:ext cx="8180614" cy="4430483"/>
-        </p:xfrm>
-        <a:graphic>
-          <a:graphicData uri="http://schemas.openxmlformats.org/drawingml/2006/chart">
-            <c:chart xmlns:c="http://schemas.openxmlformats.org/drawingml/2006/chart" xmlns:r="http://schemas.openxmlformats.org/officeDocument/2006/relationships" r:id="rId2"/>
-          </a:graphicData>
-        </a:graphic>
-      </p:graphicFrame>
-    </p:spTree>
-    <p:extLst>
-      <p:ext uri="{BB962C8B-B14F-4D97-AF65-F5344CB8AC3E}">
-        <p14:creationId xmlns:p14="http://schemas.microsoft.com/office/powerpoint/2010/main" val="1697689276"/>
       </p:ext>
     </p:extLst>
   </p:cSld>
@@ -19307,7 +19307,7 @@
   <a:extraClrSchemeLst/>
   <a:extLst>
     <a:ext uri="{05A4C25C-085E-4340-85A3-A5531E510DB2}">
-      <thm15:themeFamily xmlns="" xmlns:thm15="http://schemas.microsoft.com/office/thememl/2012/main" name="Wisp" id="{7CB32D59-10C0-40DD-B7BD-2E94284A981C}" vid="{24B1A44C-C006-48B2-A4D7-E5549B3D8CD4}"/>
+      <thm15:themeFamily xmlns:thm15="http://schemas.microsoft.com/office/thememl/2012/main" xmlns="" name="Wisp" id="{7CB32D59-10C0-40DD-B7BD-2E94284A981C}" vid="{24B1A44C-C006-48B2-A4D7-E5549B3D8CD4}"/>
     </a:ext>
   </a:extLst>
 </a:theme>
